--- a/pictography_slides.pptx
+++ b/pictography_slides.pptx
@@ -5,48 +5,47 @@
     <p:sldMasterId id="2147483648" r:id="rId1"/>
   </p:sldMasterIdLst>
   <p:sldIdLst>
-    <p:sldId id="256" r:id="rId2"/>
-    <p:sldId id="257" r:id="rId3"/>
-    <p:sldId id="258" r:id="rId4"/>
-    <p:sldId id="259" r:id="rId5"/>
-    <p:sldId id="260" r:id="rId6"/>
-    <p:sldId id="261" r:id="rId7"/>
-    <p:sldId id="262" r:id="rId8"/>
-    <p:sldId id="263" r:id="rId9"/>
-    <p:sldId id="264" r:id="rId10"/>
-    <p:sldId id="265" r:id="rId11"/>
-    <p:sldId id="266" r:id="rId12"/>
-    <p:sldId id="267" r:id="rId13"/>
-    <p:sldId id="268" r:id="rId14"/>
-    <p:sldId id="269" r:id="rId15"/>
-    <p:sldId id="270" r:id="rId16"/>
-    <p:sldId id="271" r:id="rId17"/>
-    <p:sldId id="272" r:id="rId18"/>
-    <p:sldId id="273" r:id="rId19"/>
-    <p:sldId id="274" r:id="rId20"/>
-    <p:sldId id="275" r:id="rId21"/>
-    <p:sldId id="276" r:id="rId22"/>
-    <p:sldId id="277" r:id="rId23"/>
-    <p:sldId id="278" r:id="rId24"/>
-    <p:sldId id="279" r:id="rId25"/>
-    <p:sldId id="280" r:id="rId26"/>
-    <p:sldId id="281" r:id="rId27"/>
-    <p:sldId id="282" r:id="rId28"/>
-    <p:sldId id="283" r:id="rId29"/>
-    <p:sldId id="284" r:id="rId30"/>
-    <p:sldId id="285" r:id="rId31"/>
-    <p:sldId id="286" r:id="rId32"/>
-    <p:sldId id="287" r:id="rId33"/>
-    <p:sldId id="288" r:id="rId34"/>
-    <p:sldId id="289" r:id="rId35"/>
-    <p:sldId id="290" r:id="rId36"/>
-    <p:sldId id="291" r:id="rId37"/>
-    <p:sldId id="292" r:id="rId38"/>
-    <p:sldId id="293" r:id="rId39"/>
-    <p:sldId id="294" r:id="rId40"/>
-    <p:sldId id="295" r:id="rId41"/>
-    <p:sldId id="296" r:id="rId42"/>
-    <p:sldId id="297" r:id="rId43"/>
+    <p:sldId id="256" r:id="rId7"/>
+    <p:sldId id="257" r:id="rId8"/>
+    <p:sldId id="258" r:id="rId9"/>
+    <p:sldId id="259" r:id="rId10"/>
+    <p:sldId id="260" r:id="rId11"/>
+    <p:sldId id="261" r:id="rId12"/>
+    <p:sldId id="262" r:id="rId13"/>
+    <p:sldId id="263" r:id="rId14"/>
+    <p:sldId id="264" r:id="rId15"/>
+    <p:sldId id="265" r:id="rId16"/>
+    <p:sldId id="266" r:id="rId17"/>
+    <p:sldId id="267" r:id="rId18"/>
+    <p:sldId id="268" r:id="rId19"/>
+    <p:sldId id="269" r:id="rId20"/>
+    <p:sldId id="270" r:id="rId21"/>
+    <p:sldId id="271" r:id="rId22"/>
+    <p:sldId id="272" r:id="rId23"/>
+    <p:sldId id="273" r:id="rId24"/>
+    <p:sldId id="274" r:id="rId25"/>
+    <p:sldId id="275" r:id="rId26"/>
+    <p:sldId id="276" r:id="rId27"/>
+    <p:sldId id="277" r:id="rId28"/>
+    <p:sldId id="278" r:id="rId29"/>
+    <p:sldId id="279" r:id="rId30"/>
+    <p:sldId id="280" r:id="rId31"/>
+    <p:sldId id="281" r:id="rId32"/>
+    <p:sldId id="282" r:id="rId33"/>
+    <p:sldId id="283" r:id="rId34"/>
+    <p:sldId id="284" r:id="rId35"/>
+    <p:sldId id="285" r:id="rId36"/>
+    <p:sldId id="286" r:id="rId37"/>
+    <p:sldId id="287" r:id="rId38"/>
+    <p:sldId id="288" r:id="rId39"/>
+    <p:sldId id="289" r:id="rId40"/>
+    <p:sldId id="290" r:id="rId41"/>
+    <p:sldId id="291" r:id="rId42"/>
+    <p:sldId id="292" r:id="rId43"/>
+    <p:sldId id="293" r:id="rId44"/>
+    <p:sldId id="294" r:id="rId45"/>
+    <p:sldId id="295" r:id="rId46"/>
+    <p:sldId id="296" r:id="rId47"/>
   </p:sldIdLst>
   <p:sldSz cx="9144000" cy="6858000" type="screen4x3"/>
   <p:notesSz cx="6858000" cy="9144000"/>
@@ -145,22 +144,6 @@
       </a:defRPr>
     </a:lvl9pPr>
   </p:defaultTextStyle>
-  <p:extLst>
-    <p:ext uri="{EFAFB233-063F-42B5-8137-9DF3F51BA10A}">
-      <p15:sldGuideLst xmlns:p15="http://schemas.microsoft.com/office/powerpoint/2012/main">
-        <p15:guide id="1" orient="horz" pos="2160">
-          <p15:clr>
-            <a:srgbClr val="A4A3A4"/>
-          </p15:clr>
-        </p15:guide>
-        <p15:guide id="2" pos="2880">
-          <p15:clr>
-            <a:srgbClr val="A4A3A4"/>
-          </p15:clr>
-        </p15:guide>
-      </p15:sldGuideLst>
-    </p:ext>
-  </p:extLst>
 </p:presentation>
 </file>
 
@@ -202,9 +185,10 @@
           <a:lstStyle/>
           <a:p>
             <a:r>
-              <a:rPr lang="en-US"/>
+              <a:rPr lang="en-US" smtClean="0"/>
               <a:t>Click to edit Master title style</a:t>
             </a:r>
+            <a:endParaRPr lang="en-US"/>
           </a:p>
         </p:txBody>
       </p:sp>
@@ -320,9 +304,10 @@
           </a:lstStyle>
           <a:p>
             <a:r>
-              <a:rPr lang="en-US"/>
+              <a:rPr lang="en-US" smtClean="0"/>
               <a:t>Click to edit Master subtitle style</a:t>
             </a:r>
+            <a:endParaRPr lang="en-US"/>
           </a:p>
         </p:txBody>
       </p:sp>
@@ -343,7 +328,7 @@
           <a:p>
             <a:fld id="{5BCAD085-E8A6-8845-BD4E-CB4CCA059FC4}" type="datetimeFigureOut">
               <a:rPr lang="en-US" smtClean="0"/>
-              <a:t>10/14/2020</a:t>
+              <a:t>1/27/13</a:t>
             </a:fld>
             <a:endParaRPr lang="en-US"/>
           </a:p>
@@ -437,9 +422,10 @@
           <a:lstStyle/>
           <a:p>
             <a:r>
-              <a:rPr lang="en-US"/>
+              <a:rPr lang="en-US" smtClean="0"/>
               <a:t>Click to edit Master title style</a:t>
             </a:r>
+            <a:endParaRPr lang="en-US"/>
           </a:p>
         </p:txBody>
       </p:sp>
@@ -460,37 +446,38 @@
           <a:p>
             <a:pPr lvl="0"/>
             <a:r>
-              <a:rPr lang="en-US"/>
+              <a:rPr lang="en-US" smtClean="0"/>
               <a:t>Click to edit Master text styles</a:t>
             </a:r>
           </a:p>
           <a:p>
             <a:pPr lvl="1"/>
             <a:r>
-              <a:rPr lang="en-US"/>
+              <a:rPr lang="en-US" smtClean="0"/>
               <a:t>Second level</a:t>
             </a:r>
           </a:p>
           <a:p>
             <a:pPr lvl="2"/>
             <a:r>
-              <a:rPr lang="en-US"/>
+              <a:rPr lang="en-US" smtClean="0"/>
               <a:t>Third level</a:t>
             </a:r>
           </a:p>
           <a:p>
             <a:pPr lvl="3"/>
             <a:r>
-              <a:rPr lang="en-US"/>
+              <a:rPr lang="en-US" smtClean="0"/>
               <a:t>Fourth level</a:t>
             </a:r>
           </a:p>
           <a:p>
             <a:pPr lvl="4"/>
             <a:r>
-              <a:rPr lang="en-US"/>
+              <a:rPr lang="en-US" smtClean="0"/>
               <a:t>Fifth level</a:t>
             </a:r>
+            <a:endParaRPr lang="en-US"/>
           </a:p>
         </p:txBody>
       </p:sp>
@@ -511,7 +498,7 @@
           <a:p>
             <a:fld id="{5BCAD085-E8A6-8845-BD4E-CB4CCA059FC4}" type="datetimeFigureOut">
               <a:rPr lang="en-US" smtClean="0"/>
-              <a:t>10/14/2020</a:t>
+              <a:t>1/27/13</a:t>
             </a:fld>
             <a:endParaRPr lang="en-US"/>
           </a:p>
@@ -610,9 +597,10 @@
           <a:lstStyle/>
           <a:p>
             <a:r>
-              <a:rPr lang="en-US"/>
+              <a:rPr lang="en-US" smtClean="0"/>
               <a:t>Click to edit Master title style</a:t>
             </a:r>
+            <a:endParaRPr lang="en-US"/>
           </a:p>
         </p:txBody>
       </p:sp>
@@ -638,37 +626,38 @@
           <a:p>
             <a:pPr lvl="0"/>
             <a:r>
-              <a:rPr lang="en-US"/>
+              <a:rPr lang="en-US" smtClean="0"/>
               <a:t>Click to edit Master text styles</a:t>
             </a:r>
           </a:p>
           <a:p>
             <a:pPr lvl="1"/>
             <a:r>
-              <a:rPr lang="en-US"/>
+              <a:rPr lang="en-US" smtClean="0"/>
               <a:t>Second level</a:t>
             </a:r>
           </a:p>
           <a:p>
             <a:pPr lvl="2"/>
             <a:r>
-              <a:rPr lang="en-US"/>
+              <a:rPr lang="en-US" smtClean="0"/>
               <a:t>Third level</a:t>
             </a:r>
           </a:p>
           <a:p>
             <a:pPr lvl="3"/>
             <a:r>
-              <a:rPr lang="en-US"/>
+              <a:rPr lang="en-US" smtClean="0"/>
               <a:t>Fourth level</a:t>
             </a:r>
           </a:p>
           <a:p>
             <a:pPr lvl="4"/>
             <a:r>
-              <a:rPr lang="en-US"/>
+              <a:rPr lang="en-US" smtClean="0"/>
               <a:t>Fifth level</a:t>
             </a:r>
+            <a:endParaRPr lang="en-US"/>
           </a:p>
         </p:txBody>
       </p:sp>
@@ -689,7 +678,7 @@
           <a:p>
             <a:fld id="{5BCAD085-E8A6-8845-BD4E-CB4CCA059FC4}" type="datetimeFigureOut">
               <a:rPr lang="en-US" smtClean="0"/>
-              <a:t>10/14/2020</a:t>
+              <a:t>1/27/13</a:t>
             </a:fld>
             <a:endParaRPr lang="en-US"/>
           </a:p>
@@ -783,9 +772,10 @@
           <a:lstStyle/>
           <a:p>
             <a:r>
-              <a:rPr lang="en-US"/>
+              <a:rPr lang="en-US" smtClean="0"/>
               <a:t>Click to edit Master title style</a:t>
             </a:r>
+            <a:endParaRPr lang="en-US"/>
           </a:p>
         </p:txBody>
       </p:sp>
@@ -806,37 +796,38 @@
           <a:p>
             <a:pPr lvl="0"/>
             <a:r>
-              <a:rPr lang="en-US"/>
+              <a:rPr lang="en-US" smtClean="0"/>
               <a:t>Click to edit Master text styles</a:t>
             </a:r>
           </a:p>
           <a:p>
             <a:pPr lvl="1"/>
             <a:r>
-              <a:rPr lang="en-US"/>
+              <a:rPr lang="en-US" smtClean="0"/>
               <a:t>Second level</a:t>
             </a:r>
           </a:p>
           <a:p>
             <a:pPr lvl="2"/>
             <a:r>
-              <a:rPr lang="en-US"/>
+              <a:rPr lang="en-US" smtClean="0"/>
               <a:t>Third level</a:t>
             </a:r>
           </a:p>
           <a:p>
             <a:pPr lvl="3"/>
             <a:r>
-              <a:rPr lang="en-US"/>
+              <a:rPr lang="en-US" smtClean="0"/>
               <a:t>Fourth level</a:t>
             </a:r>
           </a:p>
           <a:p>
             <a:pPr lvl="4"/>
             <a:r>
-              <a:rPr lang="en-US"/>
+              <a:rPr lang="en-US" smtClean="0"/>
               <a:t>Fifth level</a:t>
             </a:r>
+            <a:endParaRPr lang="en-US"/>
           </a:p>
         </p:txBody>
       </p:sp>
@@ -857,7 +848,7 @@
           <a:p>
             <a:fld id="{5BCAD085-E8A6-8845-BD4E-CB4CCA059FC4}" type="datetimeFigureOut">
               <a:rPr lang="en-US" smtClean="0"/>
-              <a:t>10/14/2020</a:t>
+              <a:t>1/27/13</a:t>
             </a:fld>
             <a:endParaRPr lang="en-US"/>
           </a:p>
@@ -960,9 +951,10 @@
           </a:lstStyle>
           <a:p>
             <a:r>
-              <a:rPr lang="en-US"/>
+              <a:rPr lang="en-US" smtClean="0"/>
               <a:t>Click to edit Master title style</a:t>
             </a:r>
+            <a:endParaRPr lang="en-US"/>
           </a:p>
         </p:txBody>
       </p:sp>
@@ -1079,7 +1071,7 @@
           <a:p>
             <a:pPr lvl="0"/>
             <a:r>
-              <a:rPr lang="en-US"/>
+              <a:rPr lang="en-US" smtClean="0"/>
               <a:t>Click to edit Master text styles</a:t>
             </a:r>
           </a:p>
@@ -1102,7 +1094,7 @@
           <a:p>
             <a:fld id="{5BCAD085-E8A6-8845-BD4E-CB4CCA059FC4}" type="datetimeFigureOut">
               <a:rPr lang="en-US" smtClean="0"/>
-              <a:t>10/14/2020</a:t>
+              <a:t>1/27/13</a:t>
             </a:fld>
             <a:endParaRPr lang="en-US"/>
           </a:p>
@@ -1196,9 +1188,10 @@
           <a:lstStyle/>
           <a:p>
             <a:r>
-              <a:rPr lang="en-US"/>
+              <a:rPr lang="en-US" smtClean="0"/>
               <a:t>Click to edit Master title style</a:t>
             </a:r>
+            <a:endParaRPr lang="en-US"/>
           </a:p>
         </p:txBody>
       </p:sp>
@@ -1252,37 +1245,38 @@
           <a:p>
             <a:pPr lvl="0"/>
             <a:r>
-              <a:rPr lang="en-US"/>
+              <a:rPr lang="en-US" smtClean="0"/>
               <a:t>Click to edit Master text styles</a:t>
             </a:r>
           </a:p>
           <a:p>
             <a:pPr lvl="1"/>
             <a:r>
-              <a:rPr lang="en-US"/>
+              <a:rPr lang="en-US" smtClean="0"/>
               <a:t>Second level</a:t>
             </a:r>
           </a:p>
           <a:p>
             <a:pPr lvl="2"/>
             <a:r>
-              <a:rPr lang="en-US"/>
+              <a:rPr lang="en-US" smtClean="0"/>
               <a:t>Third level</a:t>
             </a:r>
           </a:p>
           <a:p>
             <a:pPr lvl="3"/>
             <a:r>
-              <a:rPr lang="en-US"/>
+              <a:rPr lang="en-US" smtClean="0"/>
               <a:t>Fourth level</a:t>
             </a:r>
           </a:p>
           <a:p>
             <a:pPr lvl="4"/>
             <a:r>
-              <a:rPr lang="en-US"/>
+              <a:rPr lang="en-US" smtClean="0"/>
               <a:t>Fifth level</a:t>
             </a:r>
+            <a:endParaRPr lang="en-US"/>
           </a:p>
         </p:txBody>
       </p:sp>
@@ -1336,37 +1330,38 @@
           <a:p>
             <a:pPr lvl="0"/>
             <a:r>
-              <a:rPr lang="en-US"/>
+              <a:rPr lang="en-US" smtClean="0"/>
               <a:t>Click to edit Master text styles</a:t>
             </a:r>
           </a:p>
           <a:p>
             <a:pPr lvl="1"/>
             <a:r>
-              <a:rPr lang="en-US"/>
+              <a:rPr lang="en-US" smtClean="0"/>
               <a:t>Second level</a:t>
             </a:r>
           </a:p>
           <a:p>
             <a:pPr lvl="2"/>
             <a:r>
-              <a:rPr lang="en-US"/>
+              <a:rPr lang="en-US" smtClean="0"/>
               <a:t>Third level</a:t>
             </a:r>
           </a:p>
           <a:p>
             <a:pPr lvl="3"/>
             <a:r>
-              <a:rPr lang="en-US"/>
+              <a:rPr lang="en-US" smtClean="0"/>
               <a:t>Fourth level</a:t>
             </a:r>
           </a:p>
           <a:p>
             <a:pPr lvl="4"/>
             <a:r>
-              <a:rPr lang="en-US"/>
+              <a:rPr lang="en-US" smtClean="0"/>
               <a:t>Fifth level</a:t>
             </a:r>
+            <a:endParaRPr lang="en-US"/>
           </a:p>
         </p:txBody>
       </p:sp>
@@ -1387,7 +1382,7 @@
           <a:p>
             <a:fld id="{5BCAD085-E8A6-8845-BD4E-CB4CCA059FC4}" type="datetimeFigureOut">
               <a:rPr lang="en-US" smtClean="0"/>
-              <a:t>10/14/2020</a:t>
+              <a:t>1/27/13</a:t>
             </a:fld>
             <a:endParaRPr lang="en-US"/>
           </a:p>
@@ -1485,9 +1480,10 @@
           </a:lstStyle>
           <a:p>
             <a:r>
-              <a:rPr lang="en-US"/>
+              <a:rPr lang="en-US" smtClean="0"/>
               <a:t>Click to edit Master title style</a:t>
             </a:r>
+            <a:endParaRPr lang="en-US"/>
           </a:p>
         </p:txBody>
       </p:sp>
@@ -1550,7 +1546,7 @@
           <a:p>
             <a:pPr lvl="0"/>
             <a:r>
-              <a:rPr lang="en-US"/>
+              <a:rPr lang="en-US" smtClean="0"/>
               <a:t>Click to edit Master text styles</a:t>
             </a:r>
           </a:p>
@@ -1606,37 +1602,38 @@
           <a:p>
             <a:pPr lvl="0"/>
             <a:r>
-              <a:rPr lang="en-US"/>
+              <a:rPr lang="en-US" smtClean="0"/>
               <a:t>Click to edit Master text styles</a:t>
             </a:r>
           </a:p>
           <a:p>
             <a:pPr lvl="1"/>
             <a:r>
-              <a:rPr lang="en-US"/>
+              <a:rPr lang="en-US" smtClean="0"/>
               <a:t>Second level</a:t>
             </a:r>
           </a:p>
           <a:p>
             <a:pPr lvl="2"/>
             <a:r>
-              <a:rPr lang="en-US"/>
+              <a:rPr lang="en-US" smtClean="0"/>
               <a:t>Third level</a:t>
             </a:r>
           </a:p>
           <a:p>
             <a:pPr lvl="3"/>
             <a:r>
-              <a:rPr lang="en-US"/>
+              <a:rPr lang="en-US" smtClean="0"/>
               <a:t>Fourth level</a:t>
             </a:r>
           </a:p>
           <a:p>
             <a:pPr lvl="4"/>
             <a:r>
-              <a:rPr lang="en-US"/>
+              <a:rPr lang="en-US" smtClean="0"/>
               <a:t>Fifth level</a:t>
             </a:r>
+            <a:endParaRPr lang="en-US"/>
           </a:p>
         </p:txBody>
       </p:sp>
@@ -1699,7 +1696,7 @@
           <a:p>
             <a:pPr lvl="0"/>
             <a:r>
-              <a:rPr lang="en-US"/>
+              <a:rPr lang="en-US" smtClean="0"/>
               <a:t>Click to edit Master text styles</a:t>
             </a:r>
           </a:p>
@@ -1755,37 +1752,38 @@
           <a:p>
             <a:pPr lvl="0"/>
             <a:r>
-              <a:rPr lang="en-US"/>
+              <a:rPr lang="en-US" smtClean="0"/>
               <a:t>Click to edit Master text styles</a:t>
             </a:r>
           </a:p>
           <a:p>
             <a:pPr lvl="1"/>
             <a:r>
-              <a:rPr lang="en-US"/>
+              <a:rPr lang="en-US" smtClean="0"/>
               <a:t>Second level</a:t>
             </a:r>
           </a:p>
           <a:p>
             <a:pPr lvl="2"/>
             <a:r>
-              <a:rPr lang="en-US"/>
+              <a:rPr lang="en-US" smtClean="0"/>
               <a:t>Third level</a:t>
             </a:r>
           </a:p>
           <a:p>
             <a:pPr lvl="3"/>
             <a:r>
-              <a:rPr lang="en-US"/>
+              <a:rPr lang="en-US" smtClean="0"/>
               <a:t>Fourth level</a:t>
             </a:r>
           </a:p>
           <a:p>
             <a:pPr lvl="4"/>
             <a:r>
-              <a:rPr lang="en-US"/>
+              <a:rPr lang="en-US" smtClean="0"/>
               <a:t>Fifth level</a:t>
             </a:r>
+            <a:endParaRPr lang="en-US"/>
           </a:p>
         </p:txBody>
       </p:sp>
@@ -1806,7 +1804,7 @@
           <a:p>
             <a:fld id="{5BCAD085-E8A6-8845-BD4E-CB4CCA059FC4}" type="datetimeFigureOut">
               <a:rPr lang="en-US" smtClean="0"/>
-              <a:t>10/14/2020</a:t>
+              <a:t>1/27/13</a:t>
             </a:fld>
             <a:endParaRPr lang="en-US"/>
           </a:p>
@@ -1900,9 +1898,10 @@
           <a:lstStyle/>
           <a:p>
             <a:r>
-              <a:rPr lang="en-US"/>
+              <a:rPr lang="en-US" smtClean="0"/>
               <a:t>Click to edit Master title style</a:t>
             </a:r>
+            <a:endParaRPr lang="en-US"/>
           </a:p>
         </p:txBody>
       </p:sp>
@@ -1923,7 +1922,7 @@
           <a:p>
             <a:fld id="{5BCAD085-E8A6-8845-BD4E-CB4CCA059FC4}" type="datetimeFigureOut">
               <a:rPr lang="en-US" smtClean="0"/>
-              <a:t>10/14/2020</a:t>
+              <a:t>1/27/13</a:t>
             </a:fld>
             <a:endParaRPr lang="en-US"/>
           </a:p>
@@ -2018,7 +2017,7 @@
           <a:p>
             <a:fld id="{5BCAD085-E8A6-8845-BD4E-CB4CCA059FC4}" type="datetimeFigureOut">
               <a:rPr lang="en-US" smtClean="0"/>
-              <a:t>10/14/2020</a:t>
+              <a:t>1/27/13</a:t>
             </a:fld>
             <a:endParaRPr lang="en-US"/>
           </a:p>
@@ -2121,9 +2120,10 @@
           </a:lstStyle>
           <a:p>
             <a:r>
-              <a:rPr lang="en-US"/>
+              <a:rPr lang="en-US" smtClean="0"/>
               <a:t>Click to edit Master title style</a:t>
             </a:r>
+            <a:endParaRPr lang="en-US"/>
           </a:p>
         </p:txBody>
       </p:sp>
@@ -2177,37 +2177,38 @@
           <a:p>
             <a:pPr lvl="0"/>
             <a:r>
-              <a:rPr lang="en-US"/>
+              <a:rPr lang="en-US" smtClean="0"/>
               <a:t>Click to edit Master text styles</a:t>
             </a:r>
           </a:p>
           <a:p>
             <a:pPr lvl="1"/>
             <a:r>
-              <a:rPr lang="en-US"/>
+              <a:rPr lang="en-US" smtClean="0"/>
               <a:t>Second level</a:t>
             </a:r>
           </a:p>
           <a:p>
             <a:pPr lvl="2"/>
             <a:r>
-              <a:rPr lang="en-US"/>
+              <a:rPr lang="en-US" smtClean="0"/>
               <a:t>Third level</a:t>
             </a:r>
           </a:p>
           <a:p>
             <a:pPr lvl="3"/>
             <a:r>
-              <a:rPr lang="en-US"/>
+              <a:rPr lang="en-US" smtClean="0"/>
               <a:t>Fourth level</a:t>
             </a:r>
           </a:p>
           <a:p>
             <a:pPr lvl="4"/>
             <a:r>
-              <a:rPr lang="en-US"/>
+              <a:rPr lang="en-US" smtClean="0"/>
               <a:t>Fifth level</a:t>
             </a:r>
+            <a:endParaRPr lang="en-US"/>
           </a:p>
         </p:txBody>
       </p:sp>
@@ -2270,7 +2271,7 @@
           <a:p>
             <a:pPr lvl="0"/>
             <a:r>
-              <a:rPr lang="en-US"/>
+              <a:rPr lang="en-US" smtClean="0"/>
               <a:t>Click to edit Master text styles</a:t>
             </a:r>
           </a:p>
@@ -2293,7 +2294,7 @@
           <a:p>
             <a:fld id="{5BCAD085-E8A6-8845-BD4E-CB4CCA059FC4}" type="datetimeFigureOut">
               <a:rPr lang="en-US" smtClean="0"/>
-              <a:t>10/14/2020</a:t>
+              <a:t>1/27/13</a:t>
             </a:fld>
             <a:endParaRPr lang="en-US"/>
           </a:p>
@@ -2396,9 +2397,10 @@
           </a:lstStyle>
           <a:p>
             <a:r>
-              <a:rPr lang="en-US"/>
+              <a:rPr lang="en-US" smtClean="0"/>
               <a:t>Click to edit Master title style</a:t>
             </a:r>
+            <a:endParaRPr lang="en-US"/>
           </a:p>
         </p:txBody>
       </p:sp>
@@ -2522,7 +2524,7 @@
           <a:p>
             <a:pPr lvl="0"/>
             <a:r>
-              <a:rPr lang="en-US"/>
+              <a:rPr lang="en-US" smtClean="0"/>
               <a:t>Click to edit Master text styles</a:t>
             </a:r>
           </a:p>
@@ -2545,7 +2547,7 @@
           <a:p>
             <a:fld id="{5BCAD085-E8A6-8845-BD4E-CB4CCA059FC4}" type="datetimeFigureOut">
               <a:rPr lang="en-US" smtClean="0"/>
-              <a:t>10/14/2020</a:t>
+              <a:t>1/27/13</a:t>
             </a:fld>
             <a:endParaRPr lang="en-US"/>
           </a:p>
@@ -2654,9 +2656,10 @@
           <a:lstStyle/>
           <a:p>
             <a:r>
-              <a:rPr lang="en-US"/>
+              <a:rPr lang="en-US" smtClean="0"/>
               <a:t>Click to edit Master title style</a:t>
             </a:r>
+            <a:endParaRPr lang="en-US"/>
           </a:p>
         </p:txBody>
       </p:sp>
@@ -2687,37 +2690,38 @@
           <a:p>
             <a:pPr lvl="0"/>
             <a:r>
-              <a:rPr lang="en-US"/>
+              <a:rPr lang="en-US" smtClean="0"/>
               <a:t>Click to edit Master text styles</a:t>
             </a:r>
           </a:p>
           <a:p>
             <a:pPr lvl="1"/>
             <a:r>
-              <a:rPr lang="en-US"/>
+              <a:rPr lang="en-US" smtClean="0"/>
               <a:t>Second level</a:t>
             </a:r>
           </a:p>
           <a:p>
             <a:pPr lvl="2"/>
             <a:r>
-              <a:rPr lang="en-US"/>
+              <a:rPr lang="en-US" smtClean="0"/>
               <a:t>Third level</a:t>
             </a:r>
           </a:p>
           <a:p>
             <a:pPr lvl="3"/>
             <a:r>
-              <a:rPr lang="en-US"/>
+              <a:rPr lang="en-US" smtClean="0"/>
               <a:t>Fourth level</a:t>
             </a:r>
           </a:p>
           <a:p>
             <a:pPr lvl="4"/>
             <a:r>
-              <a:rPr lang="en-US"/>
+              <a:rPr lang="en-US" smtClean="0"/>
               <a:t>Fifth level</a:t>
             </a:r>
+            <a:endParaRPr lang="en-US"/>
           </a:p>
         </p:txBody>
       </p:sp>
@@ -2756,7 +2760,7 @@
           <a:p>
             <a:fld id="{5BCAD085-E8A6-8845-BD4E-CB4CCA059FC4}" type="datetimeFigureOut">
               <a:rPr lang="en-US" smtClean="0"/>
-              <a:t>10/14/2020</a:t>
+              <a:t>1/27/13</a:t>
             </a:fld>
             <a:endParaRPr lang="en-US"/>
           </a:p>
@@ -3115,7 +3119,7 @@
 </file>
 
 <file path=ppt/slides/slide1.xml><?xml version="1.0" encoding="utf-8"?>
-<p:sld xmlns:a="http://schemas.openxmlformats.org/drawingml/2006/main" xmlns:r="http://schemas.openxmlformats.org/officeDocument/2006/relationships" xmlns:p="http://schemas.openxmlformats.org/presentationml/2006/main">
+<p:sld xmlns:a="http://schemas.openxmlformats.org/drawingml/2006/main" xmlns:p="http://schemas.openxmlformats.org/presentationml/2006/main" xmlns:r="http://schemas.openxmlformats.org/officeDocument/2006/relationships">
   <p:cSld>
     <p:spTree>
       <p:nvGrpSpPr>
@@ -3123,14 +3127,7 @@
         <p:cNvGrpSpPr/>
         <p:nvPr/>
       </p:nvGrpSpPr>
-      <p:grpSpPr>
-        <a:xfrm>
-          <a:off x="0" y="0"/>
-          <a:ext cx="0" cy="0"/>
-          <a:chOff x="0" y="0"/>
-          <a:chExt cx="0" cy="0"/>
-        </a:xfrm>
-      </p:grpSpPr>
+      <p:grpSpPr/>
       <p:sp>
         <p:nvSpPr>
           <p:cNvPr id="2" name="Title 1"/>
@@ -3182,7 +3179,7 @@
 </file>
 
 <file path=ppt/slides/slide10.xml><?xml version="1.0" encoding="utf-8"?>
-<p:sld xmlns:a="http://schemas.openxmlformats.org/drawingml/2006/main" xmlns:r="http://schemas.openxmlformats.org/officeDocument/2006/relationships" xmlns:p="http://schemas.openxmlformats.org/presentationml/2006/main">
+<p:sld xmlns:a="http://schemas.openxmlformats.org/drawingml/2006/main" xmlns:p="http://schemas.openxmlformats.org/presentationml/2006/main" xmlns:r="http://schemas.openxmlformats.org/officeDocument/2006/relationships">
   <p:cSld>
     <p:spTree>
       <p:nvGrpSpPr>
@@ -3190,14 +3187,7 @@
         <p:cNvGrpSpPr/>
         <p:nvPr/>
       </p:nvGrpSpPr>
-      <p:grpSpPr>
-        <a:xfrm>
-          <a:off x="0" y="0"/>
-          <a:ext cx="0" cy="0"/>
-          <a:chOff x="0" y="0"/>
-          <a:chExt cx="0" cy="0"/>
-        </a:xfrm>
-      </p:grpSpPr>
+      <p:grpSpPr/>
       <p:pic>
         <p:nvPicPr>
           <p:cNvPr id="2" name="Picture 1" descr="bollywoodpic51587371074.jpg"/>
@@ -3231,7 +3221,7 @@
 </file>
 
 <file path=ppt/slides/slide11.xml><?xml version="1.0" encoding="utf-8"?>
-<p:sld xmlns:a="http://schemas.openxmlformats.org/drawingml/2006/main" xmlns:r="http://schemas.openxmlformats.org/officeDocument/2006/relationships" xmlns:p="http://schemas.openxmlformats.org/presentationml/2006/main">
+<p:sld xmlns:a="http://schemas.openxmlformats.org/drawingml/2006/main" xmlns:p="http://schemas.openxmlformats.org/presentationml/2006/main" xmlns:r="http://schemas.openxmlformats.org/officeDocument/2006/relationships">
   <p:cSld>
     <p:spTree>
       <p:nvGrpSpPr>
@@ -3239,14 +3229,7 @@
         <p:cNvGrpSpPr/>
         <p:nvPr/>
       </p:nvGrpSpPr>
-      <p:grpSpPr>
-        <a:xfrm>
-          <a:off x="0" y="0"/>
-          <a:ext cx="0" cy="0"/>
-          <a:chOff x="0" y="0"/>
-          <a:chExt cx="0" cy="0"/>
-        </a:xfrm>
-      </p:grpSpPr>
+      <p:grpSpPr/>
       <p:sp>
         <p:nvSpPr>
           <p:cNvPr id="2" name="Title 1"/>
@@ -3292,9 +3275,7 @@
         <p:txBody>
           <a:bodyPr/>
           <a:lstStyle/>
-          <a:p>
-            <a:endParaRPr/>
-          </a:p>
+          <a:p/>
         </p:txBody>
       </p:sp>
     </p:spTree>
@@ -3306,7 +3287,7 @@
 </file>
 
 <file path=ppt/slides/slide12.xml><?xml version="1.0" encoding="utf-8"?>
-<p:sld xmlns:a="http://schemas.openxmlformats.org/drawingml/2006/main" xmlns:r="http://schemas.openxmlformats.org/officeDocument/2006/relationships" xmlns:p="http://schemas.openxmlformats.org/presentationml/2006/main">
+<p:sld xmlns:a="http://schemas.openxmlformats.org/drawingml/2006/main" xmlns:p="http://schemas.openxmlformats.org/presentationml/2006/main" xmlns:r="http://schemas.openxmlformats.org/officeDocument/2006/relationships">
   <p:cSld>
     <p:spTree>
       <p:nvGrpSpPr>
@@ -3314,14 +3295,7 @@
         <p:cNvGrpSpPr/>
         <p:nvPr/>
       </p:nvGrpSpPr>
-      <p:grpSpPr>
-        <a:xfrm>
-          <a:off x="0" y="0"/>
-          <a:ext cx="0" cy="0"/>
-          <a:chOff x="0" y="0"/>
-          <a:chExt cx="0" cy="0"/>
-        </a:xfrm>
-      </p:grpSpPr>
+      <p:grpSpPr/>
       <p:pic>
         <p:nvPicPr>
           <p:cNvPr id="2" name="Picture 1" descr="bollywoodpic61587371084.jpg"/>
@@ -3355,7 +3329,7 @@
 </file>
 
 <file path=ppt/slides/slide13.xml><?xml version="1.0" encoding="utf-8"?>
-<p:sld xmlns:a="http://schemas.openxmlformats.org/drawingml/2006/main" xmlns:r="http://schemas.openxmlformats.org/officeDocument/2006/relationships" xmlns:p="http://schemas.openxmlformats.org/presentationml/2006/main">
+<p:sld xmlns:a="http://schemas.openxmlformats.org/drawingml/2006/main" xmlns:p="http://schemas.openxmlformats.org/presentationml/2006/main" xmlns:r="http://schemas.openxmlformats.org/officeDocument/2006/relationships">
   <p:cSld>
     <p:spTree>
       <p:nvGrpSpPr>
@@ -3363,14 +3337,7 @@
         <p:cNvGrpSpPr/>
         <p:nvPr/>
       </p:nvGrpSpPr>
-      <p:grpSpPr>
-        <a:xfrm>
-          <a:off x="0" y="0"/>
-          <a:ext cx="0" cy="0"/>
-          <a:chOff x="0" y="0"/>
-          <a:chExt cx="0" cy="0"/>
-        </a:xfrm>
-      </p:grpSpPr>
+      <p:grpSpPr/>
       <p:sp>
         <p:nvSpPr>
           <p:cNvPr id="2" name="Title 1"/>
@@ -3416,9 +3383,7 @@
         <p:txBody>
           <a:bodyPr/>
           <a:lstStyle/>
-          <a:p>
-            <a:endParaRPr/>
-          </a:p>
+          <a:p/>
         </p:txBody>
       </p:sp>
     </p:spTree>
@@ -3430,7 +3395,7 @@
 </file>
 
 <file path=ppt/slides/slide14.xml><?xml version="1.0" encoding="utf-8"?>
-<p:sld xmlns:a="http://schemas.openxmlformats.org/drawingml/2006/main" xmlns:r="http://schemas.openxmlformats.org/officeDocument/2006/relationships" xmlns:p="http://schemas.openxmlformats.org/presentationml/2006/main">
+<p:sld xmlns:a="http://schemas.openxmlformats.org/drawingml/2006/main" xmlns:p="http://schemas.openxmlformats.org/presentationml/2006/main" xmlns:r="http://schemas.openxmlformats.org/officeDocument/2006/relationships">
   <p:cSld>
     <p:spTree>
       <p:nvGrpSpPr>
@@ -3438,14 +3403,7 @@
         <p:cNvGrpSpPr/>
         <p:nvPr/>
       </p:nvGrpSpPr>
-      <p:grpSpPr>
-        <a:xfrm>
-          <a:off x="0" y="0"/>
-          <a:ext cx="0" cy="0"/>
-          <a:chOff x="0" y="0"/>
-          <a:chExt cx="0" cy="0"/>
-        </a:xfrm>
-      </p:grpSpPr>
+      <p:grpSpPr/>
       <p:pic>
         <p:nvPicPr>
           <p:cNvPr id="2" name="Picture 1" descr="bollywoodpic71587371095.jpg"/>
@@ -3479,7 +3437,7 @@
 </file>
 
 <file path=ppt/slides/slide15.xml><?xml version="1.0" encoding="utf-8"?>
-<p:sld xmlns:a="http://schemas.openxmlformats.org/drawingml/2006/main" xmlns:r="http://schemas.openxmlformats.org/officeDocument/2006/relationships" xmlns:p="http://schemas.openxmlformats.org/presentationml/2006/main">
+<p:sld xmlns:a="http://schemas.openxmlformats.org/drawingml/2006/main" xmlns:p="http://schemas.openxmlformats.org/presentationml/2006/main" xmlns:r="http://schemas.openxmlformats.org/officeDocument/2006/relationships">
   <p:cSld>
     <p:spTree>
       <p:nvGrpSpPr>
@@ -3487,14 +3445,7 @@
         <p:cNvGrpSpPr/>
         <p:nvPr/>
       </p:nvGrpSpPr>
-      <p:grpSpPr>
-        <a:xfrm>
-          <a:off x="0" y="0"/>
-          <a:ext cx="0" cy="0"/>
-          <a:chOff x="0" y="0"/>
-          <a:chExt cx="0" cy="0"/>
-        </a:xfrm>
-      </p:grpSpPr>
+      <p:grpSpPr/>
       <p:sp>
         <p:nvSpPr>
           <p:cNvPr id="2" name="Title 1"/>
@@ -3540,9 +3491,7 @@
         <p:txBody>
           <a:bodyPr/>
           <a:lstStyle/>
-          <a:p>
-            <a:endParaRPr/>
-          </a:p>
+          <a:p/>
         </p:txBody>
       </p:sp>
     </p:spTree>
@@ -3554,7 +3503,7 @@
 </file>
 
 <file path=ppt/slides/slide16.xml><?xml version="1.0" encoding="utf-8"?>
-<p:sld xmlns:a="http://schemas.openxmlformats.org/drawingml/2006/main" xmlns:r="http://schemas.openxmlformats.org/officeDocument/2006/relationships" xmlns:p="http://schemas.openxmlformats.org/presentationml/2006/main">
+<p:sld xmlns:a="http://schemas.openxmlformats.org/drawingml/2006/main" xmlns:p="http://schemas.openxmlformats.org/presentationml/2006/main" xmlns:r="http://schemas.openxmlformats.org/officeDocument/2006/relationships">
   <p:cSld>
     <p:spTree>
       <p:nvGrpSpPr>
@@ -3562,14 +3511,7 @@
         <p:cNvGrpSpPr/>
         <p:nvPr/>
       </p:nvGrpSpPr>
-      <p:grpSpPr>
-        <a:xfrm>
-          <a:off x="0" y="0"/>
-          <a:ext cx="0" cy="0"/>
-          <a:chOff x="0" y="0"/>
-          <a:chExt cx="0" cy="0"/>
-        </a:xfrm>
-      </p:grpSpPr>
+      <p:grpSpPr/>
       <p:pic>
         <p:nvPicPr>
           <p:cNvPr id="2" name="Picture 1" descr="bollywoodpic81587371110.jpg"/>
@@ -3603,7 +3545,7 @@
 </file>
 
 <file path=ppt/slides/slide17.xml><?xml version="1.0" encoding="utf-8"?>
-<p:sld xmlns:a="http://schemas.openxmlformats.org/drawingml/2006/main" xmlns:r="http://schemas.openxmlformats.org/officeDocument/2006/relationships" xmlns:p="http://schemas.openxmlformats.org/presentationml/2006/main">
+<p:sld xmlns:a="http://schemas.openxmlformats.org/drawingml/2006/main" xmlns:p="http://schemas.openxmlformats.org/presentationml/2006/main" xmlns:r="http://schemas.openxmlformats.org/officeDocument/2006/relationships">
   <p:cSld>
     <p:spTree>
       <p:nvGrpSpPr>
@@ -3611,14 +3553,7 @@
         <p:cNvGrpSpPr/>
         <p:nvPr/>
       </p:nvGrpSpPr>
-      <p:grpSpPr>
-        <a:xfrm>
-          <a:off x="0" y="0"/>
-          <a:ext cx="0" cy="0"/>
-          <a:chOff x="0" y="0"/>
-          <a:chExt cx="0" cy="0"/>
-        </a:xfrm>
-      </p:grpSpPr>
+      <p:grpSpPr/>
       <p:sp>
         <p:nvSpPr>
           <p:cNvPr id="2" name="Title 1"/>
@@ -3664,9 +3599,7 @@
         <p:txBody>
           <a:bodyPr/>
           <a:lstStyle/>
-          <a:p>
-            <a:endParaRPr/>
-          </a:p>
+          <a:p/>
         </p:txBody>
       </p:sp>
     </p:spTree>
@@ -3678,7 +3611,7 @@
 </file>
 
 <file path=ppt/slides/slide18.xml><?xml version="1.0" encoding="utf-8"?>
-<p:sld xmlns:a="http://schemas.openxmlformats.org/drawingml/2006/main" xmlns:r="http://schemas.openxmlformats.org/officeDocument/2006/relationships" xmlns:p="http://schemas.openxmlformats.org/presentationml/2006/main">
+<p:sld xmlns:a="http://schemas.openxmlformats.org/drawingml/2006/main" xmlns:p="http://schemas.openxmlformats.org/presentationml/2006/main" xmlns:r="http://schemas.openxmlformats.org/officeDocument/2006/relationships">
   <p:cSld>
     <p:spTree>
       <p:nvGrpSpPr>
@@ -3686,14 +3619,7 @@
         <p:cNvGrpSpPr/>
         <p:nvPr/>
       </p:nvGrpSpPr>
-      <p:grpSpPr>
-        <a:xfrm>
-          <a:off x="0" y="0"/>
-          <a:ext cx="0" cy="0"/>
-          <a:chOff x="0" y="0"/>
-          <a:chExt cx="0" cy="0"/>
-        </a:xfrm>
-      </p:grpSpPr>
+      <p:grpSpPr/>
       <p:pic>
         <p:nvPicPr>
           <p:cNvPr id="2" name="Picture 1" descr="bollywoodpic91587371123.jpg"/>
@@ -3727,7 +3653,7 @@
 </file>
 
 <file path=ppt/slides/slide19.xml><?xml version="1.0" encoding="utf-8"?>
-<p:sld xmlns:a="http://schemas.openxmlformats.org/drawingml/2006/main" xmlns:r="http://schemas.openxmlformats.org/officeDocument/2006/relationships" xmlns:p="http://schemas.openxmlformats.org/presentationml/2006/main">
+<p:sld xmlns:a="http://schemas.openxmlformats.org/drawingml/2006/main" xmlns:p="http://schemas.openxmlformats.org/presentationml/2006/main" xmlns:r="http://schemas.openxmlformats.org/officeDocument/2006/relationships">
   <p:cSld>
     <p:spTree>
       <p:nvGrpSpPr>
@@ -3735,14 +3661,7 @@
         <p:cNvGrpSpPr/>
         <p:nvPr/>
       </p:nvGrpSpPr>
-      <p:grpSpPr>
-        <a:xfrm>
-          <a:off x="0" y="0"/>
-          <a:ext cx="0" cy="0"/>
-          <a:chOff x="0" y="0"/>
-          <a:chExt cx="0" cy="0"/>
-        </a:xfrm>
-      </p:grpSpPr>
+      <p:grpSpPr/>
       <p:sp>
         <p:nvSpPr>
           <p:cNvPr id="2" name="Title 1"/>
@@ -3788,9 +3707,7 @@
         <p:txBody>
           <a:bodyPr/>
           <a:lstStyle/>
-          <a:p>
-            <a:endParaRPr/>
-          </a:p>
+          <a:p/>
         </p:txBody>
       </p:sp>
     </p:spTree>
@@ -3802,7 +3719,7 @@
 </file>
 
 <file path=ppt/slides/slide2.xml><?xml version="1.0" encoding="utf-8"?>
-<p:sld xmlns:a="http://schemas.openxmlformats.org/drawingml/2006/main" xmlns:r="http://schemas.openxmlformats.org/officeDocument/2006/relationships" xmlns:p="http://schemas.openxmlformats.org/presentationml/2006/main">
+<p:sld xmlns:a="http://schemas.openxmlformats.org/drawingml/2006/main" xmlns:p="http://schemas.openxmlformats.org/presentationml/2006/main" xmlns:r="http://schemas.openxmlformats.org/officeDocument/2006/relationships">
   <p:cSld>
     <p:spTree>
       <p:nvGrpSpPr>
@@ -3810,14 +3727,7 @@
         <p:cNvGrpSpPr/>
         <p:nvPr/>
       </p:nvGrpSpPr>
-      <p:grpSpPr>
-        <a:xfrm>
-          <a:off x="0" y="0"/>
-          <a:ext cx="0" cy="0"/>
-          <a:chOff x="0" y="0"/>
-          <a:chExt cx="0" cy="0"/>
-        </a:xfrm>
-      </p:grpSpPr>
+      <p:grpSpPr/>
       <p:pic>
         <p:nvPicPr>
           <p:cNvPr id="2" name="Picture 1" descr="bollywoodpic11587370860.jpg"/>
@@ -3851,7 +3761,7 @@
 </file>
 
 <file path=ppt/slides/slide20.xml><?xml version="1.0" encoding="utf-8"?>
-<p:sld xmlns:a="http://schemas.openxmlformats.org/drawingml/2006/main" xmlns:r="http://schemas.openxmlformats.org/officeDocument/2006/relationships" xmlns:p="http://schemas.openxmlformats.org/presentationml/2006/main">
+<p:sld xmlns:a="http://schemas.openxmlformats.org/drawingml/2006/main" xmlns:p="http://schemas.openxmlformats.org/presentationml/2006/main" xmlns:r="http://schemas.openxmlformats.org/officeDocument/2006/relationships">
   <p:cSld>
     <p:spTree>
       <p:nvGrpSpPr>
@@ -3859,14 +3769,7 @@
         <p:cNvGrpSpPr/>
         <p:nvPr/>
       </p:nvGrpSpPr>
-      <p:grpSpPr>
-        <a:xfrm>
-          <a:off x="0" y="0"/>
-          <a:ext cx="0" cy="0"/>
-          <a:chOff x="0" y="0"/>
-          <a:chExt cx="0" cy="0"/>
-        </a:xfrm>
-      </p:grpSpPr>
+      <p:grpSpPr/>
       <p:pic>
         <p:nvPicPr>
           <p:cNvPr id="2" name="Picture 1" descr="bollywoodpic101587371134.jpg"/>
@@ -3900,7 +3803,7 @@
 </file>
 
 <file path=ppt/slides/slide21.xml><?xml version="1.0" encoding="utf-8"?>
-<p:sld xmlns:a="http://schemas.openxmlformats.org/drawingml/2006/main" xmlns:r="http://schemas.openxmlformats.org/officeDocument/2006/relationships" xmlns:p="http://schemas.openxmlformats.org/presentationml/2006/main">
+<p:sld xmlns:a="http://schemas.openxmlformats.org/drawingml/2006/main" xmlns:p="http://schemas.openxmlformats.org/presentationml/2006/main" xmlns:r="http://schemas.openxmlformats.org/officeDocument/2006/relationships">
   <p:cSld>
     <p:spTree>
       <p:nvGrpSpPr>
@@ -3908,14 +3811,7 @@
         <p:cNvGrpSpPr/>
         <p:nvPr/>
       </p:nvGrpSpPr>
-      <p:grpSpPr>
-        <a:xfrm>
-          <a:off x="0" y="0"/>
-          <a:ext cx="0" cy="0"/>
-          <a:chOff x="0" y="0"/>
-          <a:chExt cx="0" cy="0"/>
-        </a:xfrm>
-      </p:grpSpPr>
+      <p:grpSpPr/>
       <p:sp>
         <p:nvSpPr>
           <p:cNvPr id="2" name="Title 1"/>
@@ -3928,44 +3824,21 @@
         </p:nvSpPr>
         <p:spPr/>
         <p:txBody>
-          <a:bodyPr>
-            <a:normAutofit fontScale="90000"/>
-          </a:bodyPr>
-          <a:lstStyle/>
-          <a:p>
-            <a:r>
-              <a:rPr dirty="0"/>
+          <a:bodyPr/>
+          <a:lstStyle/>
+          <a:p>
+            <a:r>
+              <a:t>Do you see your family playing this?</a:t>
+            </a:r>
+          </a:p>
+          <a:p>
+            <a:r>
               <a:t>You can spot the red jacket atop the train from a mile away.</a:t>
             </a:r>
           </a:p>
           <a:p>
             <a:r>
-              <a:rPr dirty="0"/>
-              <a:t>Shah Rukh Khan going </a:t>
-            </a:r>
-            <a:r>
-              <a:rPr dirty="0" err="1"/>
-              <a:t>Chhaiyya</a:t>
-            </a:r>
-            <a:r>
-              <a:rPr dirty="0"/>
-              <a:t> </a:t>
-            </a:r>
-            <a:r>
-              <a:rPr dirty="0" err="1"/>
-              <a:t>chhaiyya</a:t>
-            </a:r>
-            <a:r>
-              <a:rPr dirty="0"/>
-              <a:t> in </a:t>
-            </a:r>
-            <a:r>
-              <a:rPr dirty="0" err="1"/>
-              <a:t>Dil</a:t>
-            </a:r>
-            <a:r>
-              <a:rPr dirty="0"/>
-              <a:t> Se.</a:t>
+              <a:t>Shah Rukh Khan going Chhaiyya chhaiyya in Dil Se.</a:t>
             </a:r>
           </a:p>
         </p:txBody>
@@ -3984,9 +3857,7 @@
         <p:txBody>
           <a:bodyPr/>
           <a:lstStyle/>
-          <a:p>
-            <a:endParaRPr/>
-          </a:p>
+          <a:p/>
         </p:txBody>
       </p:sp>
     </p:spTree>
@@ -3998,7 +3869,7 @@
 </file>
 
 <file path=ppt/slides/slide22.xml><?xml version="1.0" encoding="utf-8"?>
-<p:sld xmlns:a="http://schemas.openxmlformats.org/drawingml/2006/main" xmlns:r="http://schemas.openxmlformats.org/officeDocument/2006/relationships" xmlns:p="http://schemas.openxmlformats.org/presentationml/2006/main">
+<p:sld xmlns:a="http://schemas.openxmlformats.org/drawingml/2006/main" xmlns:p="http://schemas.openxmlformats.org/presentationml/2006/main" xmlns:r="http://schemas.openxmlformats.org/officeDocument/2006/relationships">
   <p:cSld>
     <p:spTree>
       <p:nvGrpSpPr>
@@ -4006,14 +3877,7 @@
         <p:cNvGrpSpPr/>
         <p:nvPr/>
       </p:nvGrpSpPr>
-      <p:grpSpPr>
-        <a:xfrm>
-          <a:off x="0" y="0"/>
-          <a:ext cx="0" cy="0"/>
-          <a:chOff x="0" y="0"/>
-          <a:chExt cx="0" cy="0"/>
-        </a:xfrm>
-      </p:grpSpPr>
+      <p:grpSpPr/>
       <p:pic>
         <p:nvPicPr>
           <p:cNvPr id="2" name="Picture 1" descr="bollywoodpic111587371145.jpg"/>
@@ -4047,7 +3911,7 @@
 </file>
 
 <file path=ppt/slides/slide23.xml><?xml version="1.0" encoding="utf-8"?>
-<p:sld xmlns:a="http://schemas.openxmlformats.org/drawingml/2006/main" xmlns:r="http://schemas.openxmlformats.org/officeDocument/2006/relationships" xmlns:p="http://schemas.openxmlformats.org/presentationml/2006/main">
+<p:sld xmlns:a="http://schemas.openxmlformats.org/drawingml/2006/main" xmlns:p="http://schemas.openxmlformats.org/presentationml/2006/main" xmlns:r="http://schemas.openxmlformats.org/officeDocument/2006/relationships">
   <p:cSld>
     <p:spTree>
       <p:nvGrpSpPr>
@@ -4055,14 +3919,7 @@
         <p:cNvGrpSpPr/>
         <p:nvPr/>
       </p:nvGrpSpPr>
-      <p:grpSpPr>
-        <a:xfrm>
-          <a:off x="0" y="0"/>
-          <a:ext cx="0" cy="0"/>
-          <a:chOff x="0" y="0"/>
-          <a:chExt cx="0" cy="0"/>
-        </a:xfrm>
-      </p:grpSpPr>
+      <p:grpSpPr/>
       <p:sp>
         <p:nvSpPr>
           <p:cNvPr id="2" name="Title 1"/>
@@ -4075,38 +3932,21 @@
         </p:nvSpPr>
         <p:spPr/>
         <p:txBody>
-          <a:bodyPr>
-            <a:normAutofit fontScale="90000"/>
-          </a:bodyPr>
-          <a:lstStyle/>
-          <a:p>
-            <a:r>
-              <a:rPr dirty="0"/>
-              <a:t>Are you already predicting which your </a:t>
-            </a:r>
-            <a:r>
-              <a:rPr lang="en-IN" dirty="0"/>
-              <a:t>colleague</a:t>
-            </a:r>
-            <a:r>
-              <a:rPr dirty="0"/>
-              <a:t> will win?</a:t>
-            </a:r>
-          </a:p>
-          <a:p>
-            <a:r>
-              <a:rPr dirty="0"/>
+          <a:bodyPr/>
+          <a:lstStyle/>
+          <a:p>
+            <a:r>
+              <a:t>Are you already predicting which your cousins will win?</a:t>
+            </a:r>
+          </a:p>
+          <a:p>
+            <a:r>
               <a:t>Need we say more?</a:t>
             </a:r>
           </a:p>
           <a:p>
             <a:r>
-              <a:rPr dirty="0" err="1"/>
-              <a:t>Mohra</a:t>
-            </a:r>
-            <a:r>
-              <a:rPr dirty="0"/>
-              <a:t>.</a:t>
+              <a:t>Mohra.</a:t>
             </a:r>
           </a:p>
         </p:txBody>
@@ -4125,9 +3965,7 @@
         <p:txBody>
           <a:bodyPr/>
           <a:lstStyle/>
-          <a:p>
-            <a:endParaRPr/>
-          </a:p>
+          <a:p/>
         </p:txBody>
       </p:sp>
     </p:spTree>
@@ -4139,7 +3977,7 @@
 </file>
 
 <file path=ppt/slides/slide24.xml><?xml version="1.0" encoding="utf-8"?>
-<p:sld xmlns:a="http://schemas.openxmlformats.org/drawingml/2006/main" xmlns:r="http://schemas.openxmlformats.org/officeDocument/2006/relationships" xmlns:p="http://schemas.openxmlformats.org/presentationml/2006/main">
+<p:sld xmlns:a="http://schemas.openxmlformats.org/drawingml/2006/main" xmlns:p="http://schemas.openxmlformats.org/presentationml/2006/main" xmlns:r="http://schemas.openxmlformats.org/officeDocument/2006/relationships">
   <p:cSld>
     <p:spTree>
       <p:nvGrpSpPr>
@@ -4147,14 +3985,7 @@
         <p:cNvGrpSpPr/>
         <p:nvPr/>
       </p:nvGrpSpPr>
-      <p:grpSpPr>
-        <a:xfrm>
-          <a:off x="0" y="0"/>
-          <a:ext cx="0" cy="0"/>
-          <a:chOff x="0" y="0"/>
-          <a:chExt cx="0" cy="0"/>
-        </a:xfrm>
-      </p:grpSpPr>
+      <p:grpSpPr/>
       <p:pic>
         <p:nvPicPr>
           <p:cNvPr id="2" name="Picture 1" descr="bollywoodpic121587371159.jpg"/>
@@ -4188,7 +4019,7 @@
 </file>
 
 <file path=ppt/slides/slide25.xml><?xml version="1.0" encoding="utf-8"?>
-<p:sld xmlns:a="http://schemas.openxmlformats.org/drawingml/2006/main" xmlns:r="http://schemas.openxmlformats.org/officeDocument/2006/relationships" xmlns:p="http://schemas.openxmlformats.org/presentationml/2006/main">
+<p:sld xmlns:a="http://schemas.openxmlformats.org/drawingml/2006/main" xmlns:p="http://schemas.openxmlformats.org/presentationml/2006/main" xmlns:r="http://schemas.openxmlformats.org/officeDocument/2006/relationships">
   <p:cSld>
     <p:spTree>
       <p:nvGrpSpPr>
@@ -4196,14 +4027,7 @@
         <p:cNvGrpSpPr/>
         <p:nvPr/>
       </p:nvGrpSpPr>
-      <p:grpSpPr>
-        <a:xfrm>
-          <a:off x="0" y="0"/>
-          <a:ext cx="0" cy="0"/>
-          <a:chOff x="0" y="0"/>
-          <a:chExt cx="0" cy="0"/>
-        </a:xfrm>
-      </p:grpSpPr>
+      <p:grpSpPr/>
       <p:sp>
         <p:nvSpPr>
           <p:cNvPr id="2" name="Title 1"/>
@@ -4216,30 +4040,21 @@
         </p:nvSpPr>
         <p:spPr/>
         <p:txBody>
-          <a:bodyPr>
-            <a:normAutofit fontScale="90000"/>
-          </a:bodyPr>
-          <a:lstStyle/>
-          <a:p>
-            <a:r>
-              <a:rPr dirty="0"/>
+          <a:bodyPr/>
+          <a:lstStyle/>
+          <a:p>
+            <a:r>
               <a:t>Come on, buck up!</a:t>
             </a:r>
           </a:p>
           <a:p>
             <a:r>
-              <a:rPr dirty="0"/>
-              <a:t>A dancer like Bollywood has never seen and will never see. </a:t>
-            </a:r>
-          </a:p>
-          <a:p>
-            <a:r>
-              <a:rPr dirty="0" err="1"/>
-              <a:t>Mithun</a:t>
-            </a:r>
-            <a:r>
-              <a:rPr dirty="0"/>
-              <a:t> Chakraborty in Disco Dancer.</a:t>
+              <a:t>A dancer like Bollywood has never seen and will never see. Bonus points for the cousin who sends in a 20-second video dancing to this tune!</a:t>
+            </a:r>
+          </a:p>
+          <a:p>
+            <a:r>
+              <a:t>Mithun Chakraborty in Disco Dancer.</a:t>
             </a:r>
           </a:p>
         </p:txBody>
@@ -4258,9 +4073,7 @@
         <p:txBody>
           <a:bodyPr/>
           <a:lstStyle/>
-          <a:p>
-            <a:endParaRPr/>
-          </a:p>
+          <a:p/>
         </p:txBody>
       </p:sp>
     </p:spTree>
@@ -4272,7 +4085,7 @@
 </file>
 
 <file path=ppt/slides/slide26.xml><?xml version="1.0" encoding="utf-8"?>
-<p:sld xmlns:a="http://schemas.openxmlformats.org/drawingml/2006/main" xmlns:r="http://schemas.openxmlformats.org/officeDocument/2006/relationships" xmlns:p="http://schemas.openxmlformats.org/presentationml/2006/main">
+<p:sld xmlns:a="http://schemas.openxmlformats.org/drawingml/2006/main" xmlns:p="http://schemas.openxmlformats.org/presentationml/2006/main" xmlns:r="http://schemas.openxmlformats.org/officeDocument/2006/relationships">
   <p:cSld>
     <p:spTree>
       <p:nvGrpSpPr>
@@ -4280,14 +4093,7 @@
         <p:cNvGrpSpPr/>
         <p:nvPr/>
       </p:nvGrpSpPr>
-      <p:grpSpPr>
-        <a:xfrm>
-          <a:off x="0" y="0"/>
-          <a:ext cx="0" cy="0"/>
-          <a:chOff x="0" y="0"/>
-          <a:chExt cx="0" cy="0"/>
-        </a:xfrm>
-      </p:grpSpPr>
+      <p:grpSpPr/>
       <p:pic>
         <p:nvPicPr>
           <p:cNvPr id="2" name="Picture 1" descr="bollywoodpic131587371176.jpg"/>
@@ -4321,7 +4127,7 @@
 </file>
 
 <file path=ppt/slides/slide27.xml><?xml version="1.0" encoding="utf-8"?>
-<p:sld xmlns:a="http://schemas.openxmlformats.org/drawingml/2006/main" xmlns:r="http://schemas.openxmlformats.org/officeDocument/2006/relationships" xmlns:p="http://schemas.openxmlformats.org/presentationml/2006/main">
+<p:sld xmlns:a="http://schemas.openxmlformats.org/drawingml/2006/main" xmlns:p="http://schemas.openxmlformats.org/presentationml/2006/main" xmlns:r="http://schemas.openxmlformats.org/officeDocument/2006/relationships">
   <p:cSld>
     <p:spTree>
       <p:nvGrpSpPr>
@@ -4329,14 +4135,7 @@
         <p:cNvGrpSpPr/>
         <p:nvPr/>
       </p:nvGrpSpPr>
-      <p:grpSpPr>
-        <a:xfrm>
-          <a:off x="0" y="0"/>
-          <a:ext cx="0" cy="0"/>
-          <a:chOff x="0" y="0"/>
-          <a:chExt cx="0" cy="0"/>
-        </a:xfrm>
-      </p:grpSpPr>
+      <p:grpSpPr/>
       <p:sp>
         <p:nvSpPr>
           <p:cNvPr id="2" name="Title 1"/>
@@ -4382,9 +4181,7 @@
         <p:txBody>
           <a:bodyPr/>
           <a:lstStyle/>
-          <a:p>
-            <a:endParaRPr/>
-          </a:p>
+          <a:p/>
         </p:txBody>
       </p:sp>
     </p:spTree>
@@ -4396,7 +4193,7 @@
 </file>
 
 <file path=ppt/slides/slide28.xml><?xml version="1.0" encoding="utf-8"?>
-<p:sld xmlns:a="http://schemas.openxmlformats.org/drawingml/2006/main" xmlns:r="http://schemas.openxmlformats.org/officeDocument/2006/relationships" xmlns:p="http://schemas.openxmlformats.org/presentationml/2006/main">
+<p:sld xmlns:a="http://schemas.openxmlformats.org/drawingml/2006/main" xmlns:p="http://schemas.openxmlformats.org/presentationml/2006/main" xmlns:r="http://schemas.openxmlformats.org/officeDocument/2006/relationships">
   <p:cSld>
     <p:spTree>
       <p:nvGrpSpPr>
@@ -4404,14 +4201,7 @@
         <p:cNvGrpSpPr/>
         <p:nvPr/>
       </p:nvGrpSpPr>
-      <p:grpSpPr>
-        <a:xfrm>
-          <a:off x="0" y="0"/>
-          <a:ext cx="0" cy="0"/>
-          <a:chOff x="0" y="0"/>
-          <a:chExt cx="0" cy="0"/>
-        </a:xfrm>
-      </p:grpSpPr>
+      <p:grpSpPr/>
       <p:pic>
         <p:nvPicPr>
           <p:cNvPr id="2" name="Picture 1" descr="bollywoodpic141587371189.jpg"/>
@@ -4445,7 +4235,7 @@
 </file>
 
 <file path=ppt/slides/slide29.xml><?xml version="1.0" encoding="utf-8"?>
-<p:sld xmlns:a="http://schemas.openxmlformats.org/drawingml/2006/main" xmlns:r="http://schemas.openxmlformats.org/officeDocument/2006/relationships" xmlns:p="http://schemas.openxmlformats.org/presentationml/2006/main">
+<p:sld xmlns:a="http://schemas.openxmlformats.org/drawingml/2006/main" xmlns:p="http://schemas.openxmlformats.org/presentationml/2006/main" xmlns:r="http://schemas.openxmlformats.org/officeDocument/2006/relationships">
   <p:cSld>
     <p:spTree>
       <p:nvGrpSpPr>
@@ -4453,14 +4243,7 @@
         <p:cNvGrpSpPr/>
         <p:nvPr/>
       </p:nvGrpSpPr>
-      <p:grpSpPr>
-        <a:xfrm>
-          <a:off x="0" y="0"/>
-          <a:ext cx="0" cy="0"/>
-          <a:chOff x="0" y="0"/>
-          <a:chExt cx="0" cy="0"/>
-        </a:xfrm>
-      </p:grpSpPr>
+      <p:grpSpPr/>
       <p:sp>
         <p:nvSpPr>
           <p:cNvPr id="2" name="Title 1"/>
@@ -4506,9 +4289,7 @@
         <p:txBody>
           <a:bodyPr/>
           <a:lstStyle/>
-          <a:p>
-            <a:endParaRPr/>
-          </a:p>
+          <a:p/>
         </p:txBody>
       </p:sp>
     </p:spTree>
@@ -4520,7 +4301,7 @@
 </file>
 
 <file path=ppt/slides/slide3.xml><?xml version="1.0" encoding="utf-8"?>
-<p:sld xmlns:a="http://schemas.openxmlformats.org/drawingml/2006/main" xmlns:r="http://schemas.openxmlformats.org/officeDocument/2006/relationships" xmlns:p="http://schemas.openxmlformats.org/presentationml/2006/main">
+<p:sld xmlns:a="http://schemas.openxmlformats.org/drawingml/2006/main" xmlns:p="http://schemas.openxmlformats.org/presentationml/2006/main" xmlns:r="http://schemas.openxmlformats.org/officeDocument/2006/relationships">
   <p:cSld>
     <p:spTree>
       <p:nvGrpSpPr>
@@ -4528,14 +4309,7 @@
         <p:cNvGrpSpPr/>
         <p:nvPr/>
       </p:nvGrpSpPr>
-      <p:grpSpPr>
-        <a:xfrm>
-          <a:off x="0" y="0"/>
-          <a:ext cx="0" cy="0"/>
-          <a:chOff x="0" y="0"/>
-          <a:chExt cx="0" cy="0"/>
-        </a:xfrm>
-      </p:grpSpPr>
+      <p:grpSpPr/>
       <p:sp>
         <p:nvSpPr>
           <p:cNvPr id="2" name="Title 1"/>
@@ -4555,9 +4329,7 @@
               <a:t>Let’s start with the easy ones.</a:t>
             </a:r>
           </a:p>
-          <a:p>
-            <a:endParaRPr/>
-          </a:p>
+          <a:p/>
           <a:p>
             <a:r>
               <a:t>Shah Rukh Khan had everyone wearing ‘cool’ neck chains and Kajol beat him at basketball.</a:t>
@@ -4584,9 +4356,7 @@
         <p:txBody>
           <a:bodyPr/>
           <a:lstStyle/>
-          <a:p>
-            <a:endParaRPr/>
-          </a:p>
+          <a:p/>
         </p:txBody>
       </p:sp>
     </p:spTree>
@@ -4598,7 +4368,7 @@
 </file>
 
 <file path=ppt/slides/slide30.xml><?xml version="1.0" encoding="utf-8"?>
-<p:sld xmlns:a="http://schemas.openxmlformats.org/drawingml/2006/main" xmlns:r="http://schemas.openxmlformats.org/officeDocument/2006/relationships" xmlns:p="http://schemas.openxmlformats.org/presentationml/2006/main">
+<p:sld xmlns:a="http://schemas.openxmlformats.org/drawingml/2006/main" xmlns:p="http://schemas.openxmlformats.org/presentationml/2006/main" xmlns:r="http://schemas.openxmlformats.org/officeDocument/2006/relationships">
   <p:cSld>
     <p:spTree>
       <p:nvGrpSpPr>
@@ -4606,14 +4376,7 @@
         <p:cNvGrpSpPr/>
         <p:nvPr/>
       </p:nvGrpSpPr>
-      <p:grpSpPr>
-        <a:xfrm>
-          <a:off x="0" y="0"/>
-          <a:ext cx="0" cy="0"/>
-          <a:chOff x="0" y="0"/>
-          <a:chExt cx="0" cy="0"/>
-        </a:xfrm>
-      </p:grpSpPr>
+      <p:grpSpPr/>
       <p:pic>
         <p:nvPicPr>
           <p:cNvPr id="2" name="Picture 1" descr="bollywoodpic151587371200.jpg"/>
@@ -4647,7 +4410,7 @@
 </file>
 
 <file path=ppt/slides/slide31.xml><?xml version="1.0" encoding="utf-8"?>
-<p:sld xmlns:a="http://schemas.openxmlformats.org/drawingml/2006/main" xmlns:r="http://schemas.openxmlformats.org/officeDocument/2006/relationships" xmlns:p="http://schemas.openxmlformats.org/presentationml/2006/main">
+<p:sld xmlns:a="http://schemas.openxmlformats.org/drawingml/2006/main" xmlns:p="http://schemas.openxmlformats.org/presentationml/2006/main" xmlns:r="http://schemas.openxmlformats.org/officeDocument/2006/relationships">
   <p:cSld>
     <p:spTree>
       <p:nvGrpSpPr>
@@ -4655,14 +4418,7 @@
         <p:cNvGrpSpPr/>
         <p:nvPr/>
       </p:nvGrpSpPr>
-      <p:grpSpPr>
-        <a:xfrm>
-          <a:off x="0" y="0"/>
-          <a:ext cx="0" cy="0"/>
-          <a:chOff x="0" y="0"/>
-          <a:chExt cx="0" cy="0"/>
-        </a:xfrm>
-      </p:grpSpPr>
+      <p:grpSpPr/>
       <p:sp>
         <p:nvSpPr>
           <p:cNvPr id="2" name="Title 1"/>
@@ -4708,9 +4464,7 @@
         <p:txBody>
           <a:bodyPr/>
           <a:lstStyle/>
-          <a:p>
-            <a:endParaRPr/>
-          </a:p>
+          <a:p/>
         </p:txBody>
       </p:sp>
     </p:spTree>
@@ -4722,7 +4476,7 @@
 </file>
 
 <file path=ppt/slides/slide32.xml><?xml version="1.0" encoding="utf-8"?>
-<p:sld xmlns:a="http://schemas.openxmlformats.org/drawingml/2006/main" xmlns:r="http://schemas.openxmlformats.org/officeDocument/2006/relationships" xmlns:p="http://schemas.openxmlformats.org/presentationml/2006/main">
+<p:sld xmlns:a="http://schemas.openxmlformats.org/drawingml/2006/main" xmlns:p="http://schemas.openxmlformats.org/presentationml/2006/main" xmlns:r="http://schemas.openxmlformats.org/officeDocument/2006/relationships">
   <p:cSld>
     <p:spTree>
       <p:nvGrpSpPr>
@@ -4730,14 +4484,7 @@
         <p:cNvGrpSpPr/>
         <p:nvPr/>
       </p:nvGrpSpPr>
-      <p:grpSpPr>
-        <a:xfrm>
-          <a:off x="0" y="0"/>
-          <a:ext cx="0" cy="0"/>
-          <a:chOff x="0" y="0"/>
-          <a:chExt cx="0" cy="0"/>
-        </a:xfrm>
-      </p:grpSpPr>
+      <p:grpSpPr/>
       <p:pic>
         <p:nvPicPr>
           <p:cNvPr id="2" name="Picture 1" descr="bollywoodpic161587371211.jpg"/>
@@ -4771,7 +4518,7 @@
 </file>
 
 <file path=ppt/slides/slide33.xml><?xml version="1.0" encoding="utf-8"?>
-<p:sld xmlns:a="http://schemas.openxmlformats.org/drawingml/2006/main" xmlns:r="http://schemas.openxmlformats.org/officeDocument/2006/relationships" xmlns:p="http://schemas.openxmlformats.org/presentationml/2006/main">
+<p:sld xmlns:a="http://schemas.openxmlformats.org/drawingml/2006/main" xmlns:p="http://schemas.openxmlformats.org/presentationml/2006/main" xmlns:r="http://schemas.openxmlformats.org/officeDocument/2006/relationships">
   <p:cSld>
     <p:spTree>
       <p:nvGrpSpPr>
@@ -4779,14 +4526,7 @@
         <p:cNvGrpSpPr/>
         <p:nvPr/>
       </p:nvGrpSpPr>
-      <p:grpSpPr>
-        <a:xfrm>
-          <a:off x="0" y="0"/>
-          <a:ext cx="0" cy="0"/>
-          <a:chOff x="0" y="0"/>
-          <a:chExt cx="0" cy="0"/>
-        </a:xfrm>
-      </p:grpSpPr>
+      <p:grpSpPr/>
       <p:sp>
         <p:nvSpPr>
           <p:cNvPr id="2" name="Title 1"/>
@@ -4832,9 +4572,7 @@
         <p:txBody>
           <a:bodyPr/>
           <a:lstStyle/>
-          <a:p>
-            <a:endParaRPr/>
-          </a:p>
+          <a:p/>
         </p:txBody>
       </p:sp>
     </p:spTree>
@@ -4846,7 +4584,7 @@
 </file>
 
 <file path=ppt/slides/slide34.xml><?xml version="1.0" encoding="utf-8"?>
-<p:sld xmlns:a="http://schemas.openxmlformats.org/drawingml/2006/main" xmlns:r="http://schemas.openxmlformats.org/officeDocument/2006/relationships" xmlns:p="http://schemas.openxmlformats.org/presentationml/2006/main">
+<p:sld xmlns:a="http://schemas.openxmlformats.org/drawingml/2006/main" xmlns:p="http://schemas.openxmlformats.org/presentationml/2006/main" xmlns:r="http://schemas.openxmlformats.org/officeDocument/2006/relationships">
   <p:cSld>
     <p:spTree>
       <p:nvGrpSpPr>
@@ -4854,14 +4592,7 @@
         <p:cNvGrpSpPr/>
         <p:nvPr/>
       </p:nvGrpSpPr>
-      <p:grpSpPr>
-        <a:xfrm>
-          <a:off x="0" y="0"/>
-          <a:ext cx="0" cy="0"/>
-          <a:chOff x="0" y="0"/>
-          <a:chExt cx="0" cy="0"/>
-        </a:xfrm>
-      </p:grpSpPr>
+      <p:grpSpPr/>
       <p:pic>
         <p:nvPicPr>
           <p:cNvPr id="2" name="Picture 1" descr="bollywoodpic171587371224.jpg"/>
@@ -4895,7 +4626,7 @@
 </file>
 
 <file path=ppt/slides/slide35.xml><?xml version="1.0" encoding="utf-8"?>
-<p:sld xmlns:a="http://schemas.openxmlformats.org/drawingml/2006/main" xmlns:r="http://schemas.openxmlformats.org/officeDocument/2006/relationships" xmlns:p="http://schemas.openxmlformats.org/presentationml/2006/main">
+<p:sld xmlns:a="http://schemas.openxmlformats.org/drawingml/2006/main" xmlns:p="http://schemas.openxmlformats.org/presentationml/2006/main" xmlns:r="http://schemas.openxmlformats.org/officeDocument/2006/relationships">
   <p:cSld>
     <p:spTree>
       <p:nvGrpSpPr>
@@ -4903,14 +4634,7 @@
         <p:cNvGrpSpPr/>
         <p:nvPr/>
       </p:nvGrpSpPr>
-      <p:grpSpPr>
-        <a:xfrm>
-          <a:off x="0" y="0"/>
-          <a:ext cx="0" cy="0"/>
-          <a:chOff x="0" y="0"/>
-          <a:chExt cx="0" cy="0"/>
-        </a:xfrm>
-      </p:grpSpPr>
+      <p:grpSpPr/>
       <p:sp>
         <p:nvSpPr>
           <p:cNvPr id="2" name="Title 1"/>
@@ -4956,9 +4680,7 @@
         <p:txBody>
           <a:bodyPr/>
           <a:lstStyle/>
-          <a:p>
-            <a:endParaRPr/>
-          </a:p>
+          <a:p/>
         </p:txBody>
       </p:sp>
     </p:spTree>
@@ -4970,7 +4692,7 @@
 </file>
 
 <file path=ppt/slides/slide36.xml><?xml version="1.0" encoding="utf-8"?>
-<p:sld xmlns:a="http://schemas.openxmlformats.org/drawingml/2006/main" xmlns:r="http://schemas.openxmlformats.org/officeDocument/2006/relationships" xmlns:p="http://schemas.openxmlformats.org/presentationml/2006/main">
+<p:sld xmlns:a="http://schemas.openxmlformats.org/drawingml/2006/main" xmlns:p="http://schemas.openxmlformats.org/presentationml/2006/main" xmlns:r="http://schemas.openxmlformats.org/officeDocument/2006/relationships">
   <p:cSld>
     <p:spTree>
       <p:nvGrpSpPr>
@@ -4978,14 +4700,7 @@
         <p:cNvGrpSpPr/>
         <p:nvPr/>
       </p:nvGrpSpPr>
-      <p:grpSpPr>
-        <a:xfrm>
-          <a:off x="0" y="0"/>
-          <a:ext cx="0" cy="0"/>
-          <a:chOff x="0" y="0"/>
-          <a:chExt cx="0" cy="0"/>
-        </a:xfrm>
-      </p:grpSpPr>
+      <p:grpSpPr/>
       <p:pic>
         <p:nvPicPr>
           <p:cNvPr id="2" name="Picture 1" descr="bollywoodpic181587371238.jpg"/>
@@ -5019,7 +4734,7 @@
 </file>
 
 <file path=ppt/slides/slide37.xml><?xml version="1.0" encoding="utf-8"?>
-<p:sld xmlns:a="http://schemas.openxmlformats.org/drawingml/2006/main" xmlns:r="http://schemas.openxmlformats.org/officeDocument/2006/relationships" xmlns:p="http://schemas.openxmlformats.org/presentationml/2006/main">
+<p:sld xmlns:a="http://schemas.openxmlformats.org/drawingml/2006/main" xmlns:p="http://schemas.openxmlformats.org/presentationml/2006/main" xmlns:r="http://schemas.openxmlformats.org/officeDocument/2006/relationships">
   <p:cSld>
     <p:spTree>
       <p:nvGrpSpPr>
@@ -5027,14 +4742,7 @@
         <p:cNvGrpSpPr/>
         <p:nvPr/>
       </p:nvGrpSpPr>
-      <p:grpSpPr>
-        <a:xfrm>
-          <a:off x="0" y="0"/>
-          <a:ext cx="0" cy="0"/>
-          <a:chOff x="0" y="0"/>
-          <a:chExt cx="0" cy="0"/>
-        </a:xfrm>
-      </p:grpSpPr>
+      <p:grpSpPr/>
       <p:sp>
         <p:nvSpPr>
           <p:cNvPr id="2" name="Title 1"/>
@@ -5080,9 +4788,7 @@
         <p:txBody>
           <a:bodyPr/>
           <a:lstStyle/>
-          <a:p>
-            <a:endParaRPr/>
-          </a:p>
+          <a:p/>
         </p:txBody>
       </p:sp>
     </p:spTree>
@@ -5094,7 +4800,7 @@
 </file>
 
 <file path=ppt/slides/slide38.xml><?xml version="1.0" encoding="utf-8"?>
-<p:sld xmlns:a="http://schemas.openxmlformats.org/drawingml/2006/main" xmlns:r="http://schemas.openxmlformats.org/officeDocument/2006/relationships" xmlns:p="http://schemas.openxmlformats.org/presentationml/2006/main">
+<p:sld xmlns:a="http://schemas.openxmlformats.org/drawingml/2006/main" xmlns:p="http://schemas.openxmlformats.org/presentationml/2006/main" xmlns:r="http://schemas.openxmlformats.org/officeDocument/2006/relationships">
   <p:cSld>
     <p:spTree>
       <p:nvGrpSpPr>
@@ -5102,14 +4808,7 @@
         <p:cNvGrpSpPr/>
         <p:nvPr/>
       </p:nvGrpSpPr>
-      <p:grpSpPr>
-        <a:xfrm>
-          <a:off x="0" y="0"/>
-          <a:ext cx="0" cy="0"/>
-          <a:chOff x="0" y="0"/>
-          <a:chExt cx="0" cy="0"/>
-        </a:xfrm>
-      </p:grpSpPr>
+      <p:grpSpPr/>
       <p:pic>
         <p:nvPicPr>
           <p:cNvPr id="2" name="Picture 1" descr="bollywoodpic191587371252.jpg"/>
@@ -5143,7 +4842,7 @@
 </file>
 
 <file path=ppt/slides/slide39.xml><?xml version="1.0" encoding="utf-8"?>
-<p:sld xmlns:a="http://schemas.openxmlformats.org/drawingml/2006/main" xmlns:r="http://schemas.openxmlformats.org/officeDocument/2006/relationships" xmlns:p="http://schemas.openxmlformats.org/presentationml/2006/main">
+<p:sld xmlns:a="http://schemas.openxmlformats.org/drawingml/2006/main" xmlns:p="http://schemas.openxmlformats.org/presentationml/2006/main" xmlns:r="http://schemas.openxmlformats.org/officeDocument/2006/relationships">
   <p:cSld>
     <p:spTree>
       <p:nvGrpSpPr>
@@ -5151,14 +4850,7 @@
         <p:cNvGrpSpPr/>
         <p:nvPr/>
       </p:nvGrpSpPr>
-      <p:grpSpPr>
-        <a:xfrm>
-          <a:off x="0" y="0"/>
-          <a:ext cx="0" cy="0"/>
-          <a:chOff x="0" y="0"/>
-          <a:chExt cx="0" cy="0"/>
-        </a:xfrm>
-      </p:grpSpPr>
+      <p:grpSpPr/>
       <p:sp>
         <p:nvSpPr>
           <p:cNvPr id="2" name="Title 1"/>
@@ -5204,9 +4896,7 @@
         <p:txBody>
           <a:bodyPr/>
           <a:lstStyle/>
-          <a:p>
-            <a:endParaRPr/>
-          </a:p>
+          <a:p/>
         </p:txBody>
       </p:sp>
     </p:spTree>
@@ -5218,7 +4908,7 @@
 </file>
 
 <file path=ppt/slides/slide4.xml><?xml version="1.0" encoding="utf-8"?>
-<p:sld xmlns:a="http://schemas.openxmlformats.org/drawingml/2006/main" xmlns:r="http://schemas.openxmlformats.org/officeDocument/2006/relationships" xmlns:p="http://schemas.openxmlformats.org/presentationml/2006/main">
+<p:sld xmlns:a="http://schemas.openxmlformats.org/drawingml/2006/main" xmlns:p="http://schemas.openxmlformats.org/presentationml/2006/main" xmlns:r="http://schemas.openxmlformats.org/officeDocument/2006/relationships">
   <p:cSld>
     <p:spTree>
       <p:nvGrpSpPr>
@@ -5226,14 +4916,7 @@
         <p:cNvGrpSpPr/>
         <p:nvPr/>
       </p:nvGrpSpPr>
-      <p:grpSpPr>
-        <a:xfrm>
-          <a:off x="0" y="0"/>
-          <a:ext cx="0" cy="0"/>
-          <a:chOff x="0" y="0"/>
-          <a:chExt cx="0" cy="0"/>
-        </a:xfrm>
-      </p:grpSpPr>
+      <p:grpSpPr/>
       <p:pic>
         <p:nvPicPr>
           <p:cNvPr id="2" name="Picture 1" descr="bollywoodpic21587371034.jpg"/>
@@ -5267,7 +4950,7 @@
 </file>
 
 <file path=ppt/slides/slide40.xml><?xml version="1.0" encoding="utf-8"?>
-<p:sld xmlns:a="http://schemas.openxmlformats.org/drawingml/2006/main" xmlns:r="http://schemas.openxmlformats.org/officeDocument/2006/relationships" xmlns:p="http://schemas.openxmlformats.org/presentationml/2006/main">
+<p:sld xmlns:a="http://schemas.openxmlformats.org/drawingml/2006/main" xmlns:p="http://schemas.openxmlformats.org/presentationml/2006/main" xmlns:r="http://schemas.openxmlformats.org/officeDocument/2006/relationships">
   <p:cSld>
     <p:spTree>
       <p:nvGrpSpPr>
@@ -5275,14 +4958,7 @@
         <p:cNvGrpSpPr/>
         <p:nvPr/>
       </p:nvGrpSpPr>
-      <p:grpSpPr>
-        <a:xfrm>
-          <a:off x="0" y="0"/>
-          <a:ext cx="0" cy="0"/>
-          <a:chOff x="0" y="0"/>
-          <a:chExt cx="0" cy="0"/>
-        </a:xfrm>
-      </p:grpSpPr>
+      <p:grpSpPr/>
       <p:pic>
         <p:nvPicPr>
           <p:cNvPr id="2" name="Picture 1" descr="bollywoodpic201587371266.jpg"/>
@@ -5316,7 +4992,7 @@
 </file>
 
 <file path=ppt/slides/slide41.xml><?xml version="1.0" encoding="utf-8"?>
-<p:sld xmlns:a="http://schemas.openxmlformats.org/drawingml/2006/main" xmlns:r="http://schemas.openxmlformats.org/officeDocument/2006/relationships" xmlns:p="http://schemas.openxmlformats.org/presentationml/2006/main">
+<p:sld xmlns:a="http://schemas.openxmlformats.org/drawingml/2006/main" xmlns:p="http://schemas.openxmlformats.org/presentationml/2006/main" xmlns:r="http://schemas.openxmlformats.org/officeDocument/2006/relationships">
   <p:cSld>
     <p:spTree>
       <p:nvGrpSpPr>
@@ -5324,14 +5000,7 @@
         <p:cNvGrpSpPr/>
         <p:nvPr/>
       </p:nvGrpSpPr>
-      <p:grpSpPr>
-        <a:xfrm>
-          <a:off x="0" y="0"/>
-          <a:ext cx="0" cy="0"/>
-          <a:chOff x="0" y="0"/>
-          <a:chExt cx="0" cy="0"/>
-        </a:xfrm>
-      </p:grpSpPr>
+      <p:grpSpPr/>
       <p:sp>
         <p:nvSpPr>
           <p:cNvPr id="2" name="Title 1"/>
@@ -5344,16 +5013,28 @@
         </p:nvSpPr>
         <p:spPr/>
         <p:txBody>
-          <a:bodyPr>
-            <a:normAutofit fontScale="90000"/>
-          </a:bodyPr>
-          <a:lstStyle/>
-          <a:p>
-            <a:r>
-              <a:rPr dirty="0"/>
+          <a:bodyPr/>
+          <a:lstStyle/>
+          <a:p>
+            <a:r>
+              <a:t>This one is for the best of the best.</a:t>
+            </a:r>
+          </a:p>
+          <a:p>
+            <a:r>
+              <a:t>Any ideas? Come on, don’t give up!</a:t>
+            </a:r>
+          </a:p>
+          <a:p>
+            <a:r>
               <a:t>Bombay To Goa, a road film in which the two main characters are called Rajesh and Khanna, respectively.</a:t>
             </a:r>
           </a:p>
+          <a:p>
+            <a:r>
+              <a:t>So, tell us. Are you game?</a:t>
+            </a:r>
+          </a:p>
         </p:txBody>
       </p:sp>
       <p:sp>
@@ -5370,9 +5051,7 @@
         <p:txBody>
           <a:bodyPr/>
           <a:lstStyle/>
-          <a:p>
-            <a:endParaRPr/>
-          </a:p>
+          <a:p/>
         </p:txBody>
       </p:sp>
     </p:spTree>
@@ -5383,8 +5062,8 @@
 </p:sld>
 </file>
 
-<file path=ppt/slides/slide42.xml><?xml version="1.0" encoding="utf-8"?>
-<p:sld xmlns:a="http://schemas.openxmlformats.org/drawingml/2006/main" xmlns:r="http://schemas.openxmlformats.org/officeDocument/2006/relationships" xmlns:p="http://schemas.openxmlformats.org/presentationml/2006/main">
+<file path=ppt/slides/slide5.xml><?xml version="1.0" encoding="utf-8"?>
+<p:sld xmlns:a="http://schemas.openxmlformats.org/drawingml/2006/main" xmlns:p="http://schemas.openxmlformats.org/presentationml/2006/main" xmlns:r="http://schemas.openxmlformats.org/officeDocument/2006/relationships">
   <p:cSld>
     <p:spTree>
       <p:nvGrpSpPr>
@@ -5392,138 +5071,7 @@
         <p:cNvGrpSpPr/>
         <p:nvPr/>
       </p:nvGrpSpPr>
-      <p:grpSpPr>
-        <a:xfrm>
-          <a:off x="0" y="0"/>
-          <a:ext cx="0" cy="0"/>
-          <a:chOff x="0" y="0"/>
-          <a:chExt cx="0" cy="0"/>
-        </a:xfrm>
-      </p:grpSpPr>
-      <p:sp>
-        <p:nvSpPr>
-          <p:cNvPr id="2" name="Title 1">
-            <a:extLst>
-              <a:ext uri="{FF2B5EF4-FFF2-40B4-BE49-F238E27FC236}">
-                <a16:creationId xmlns:a16="http://schemas.microsoft.com/office/drawing/2014/main" id="{5780BAE5-9827-4FC3-95F6-189979FFF443}"/>
-              </a:ext>
-            </a:extLst>
-          </p:cNvPr>
-          <p:cNvSpPr>
-            <a:spLocks noGrp="1"/>
-          </p:cNvSpPr>
-          <p:nvPr>
-            <p:ph type="title"/>
-          </p:nvPr>
-        </p:nvSpPr>
-        <p:spPr>
-          <a:xfrm>
-            <a:off x="457200" y="1170184"/>
-            <a:ext cx="8229600" cy="1143000"/>
-          </a:xfrm>
-        </p:spPr>
-        <p:txBody>
-          <a:bodyPr/>
-          <a:lstStyle/>
-          <a:p>
-            <a:r>
-              <a:rPr lang="en-IN" dirty="0"/>
-              <a:t>THANK YOU !!!</a:t>
-            </a:r>
-          </a:p>
-        </p:txBody>
-      </p:sp>
-      <p:sp>
-        <p:nvSpPr>
-          <p:cNvPr id="3" name="Content Placeholder 2">
-            <a:extLst>
-              <a:ext uri="{FF2B5EF4-FFF2-40B4-BE49-F238E27FC236}">
-                <a16:creationId xmlns:a16="http://schemas.microsoft.com/office/drawing/2014/main" id="{EB85649E-A432-47D6-96B3-7914AE69C881}"/>
-              </a:ext>
-            </a:extLst>
-          </p:cNvPr>
-          <p:cNvSpPr>
-            <a:spLocks noGrp="1"/>
-          </p:cNvSpPr>
-          <p:nvPr>
-            <p:ph idx="1"/>
-          </p:nvPr>
-        </p:nvSpPr>
-        <p:spPr>
-          <a:xfrm>
-            <a:off x="570321" y="1635551"/>
-            <a:ext cx="8229600" cy="4525963"/>
-          </a:xfrm>
-        </p:spPr>
-        <p:txBody>
-          <a:bodyPr/>
-          <a:lstStyle/>
-          <a:p>
-            <a:pPr marL="0" indent="0">
-              <a:buNone/>
-            </a:pPr>
-            <a:r>
-              <a:rPr lang="en-IN" dirty="0"/>
-              <a:t>				</a:t>
-            </a:r>
-          </a:p>
-          <a:p>
-            <a:pPr marL="0" indent="0">
-              <a:buNone/>
-            </a:pPr>
-            <a:r>
-              <a:rPr lang="en-IN" dirty="0"/>
-              <a:t>					</a:t>
-            </a:r>
-          </a:p>
-          <a:p>
-            <a:pPr marL="0" indent="0">
-              <a:buNone/>
-            </a:pPr>
-            <a:r>
-              <a:rPr lang="en-IN" dirty="0"/>
-              <a:t>				HOPE YOU ENJOYED </a:t>
-            </a:r>
-            <a:r>
-              <a:rPr lang="en-IN" dirty="0">
-                <a:sym typeface="Wingdings" panose="05000000000000000000" pitchFamily="2" charset="2"/>
-              </a:rPr>
-              <a:t></a:t>
-            </a:r>
-            <a:endParaRPr lang="en-IN" dirty="0"/>
-          </a:p>
-        </p:txBody>
-      </p:sp>
-    </p:spTree>
-    <p:extLst>
-      <p:ext uri="{BB962C8B-B14F-4D97-AF65-F5344CB8AC3E}">
-        <p14:creationId xmlns:p14="http://schemas.microsoft.com/office/powerpoint/2010/main" val="2870524679"/>
-      </p:ext>
-    </p:extLst>
-  </p:cSld>
-  <p:clrMapOvr>
-    <a:masterClrMapping/>
-  </p:clrMapOvr>
-</p:sld>
-</file>
-
-<file path=ppt/slides/slide5.xml><?xml version="1.0" encoding="utf-8"?>
-<p:sld xmlns:a="http://schemas.openxmlformats.org/drawingml/2006/main" xmlns:r="http://schemas.openxmlformats.org/officeDocument/2006/relationships" xmlns:p="http://schemas.openxmlformats.org/presentationml/2006/main">
-  <p:cSld>
-    <p:spTree>
-      <p:nvGrpSpPr>
-        <p:cNvPr id="1" name=""/>
-        <p:cNvGrpSpPr/>
-        <p:nvPr/>
-      </p:nvGrpSpPr>
-      <p:grpSpPr>
-        <a:xfrm>
-          <a:off x="0" y="0"/>
-          <a:ext cx="0" cy="0"/>
-          <a:chOff x="0" y="0"/>
-          <a:chExt cx="0" cy="0"/>
-        </a:xfrm>
-      </p:grpSpPr>
+      <p:grpSpPr/>
       <p:sp>
         <p:nvSpPr>
           <p:cNvPr id="2" name="Title 1"/>
@@ -5543,9 +5091,7 @@
               <a:t>What’s next?</a:t>
             </a:r>
           </a:p>
-          <a:p>
-            <a:endParaRPr/>
-          </a:p>
+          <a:p/>
           <a:p>
             <a:r>
               <a:t>One of our dashing cover girls, Taapsee Pannu says “NO means NO”.</a:t>
@@ -5572,9 +5118,7 @@
         <p:txBody>
           <a:bodyPr/>
           <a:lstStyle/>
-          <a:p>
-            <a:endParaRPr/>
-          </a:p>
+          <a:p/>
         </p:txBody>
       </p:sp>
     </p:spTree>
@@ -5586,7 +5130,7 @@
 </file>
 
 <file path=ppt/slides/slide6.xml><?xml version="1.0" encoding="utf-8"?>
-<p:sld xmlns:a="http://schemas.openxmlformats.org/drawingml/2006/main" xmlns:r="http://schemas.openxmlformats.org/officeDocument/2006/relationships" xmlns:p="http://schemas.openxmlformats.org/presentationml/2006/main">
+<p:sld xmlns:a="http://schemas.openxmlformats.org/drawingml/2006/main" xmlns:p="http://schemas.openxmlformats.org/presentationml/2006/main" xmlns:r="http://schemas.openxmlformats.org/officeDocument/2006/relationships">
   <p:cSld>
     <p:spTree>
       <p:nvGrpSpPr>
@@ -5594,14 +5138,7 @@
         <p:cNvGrpSpPr/>
         <p:nvPr/>
       </p:nvGrpSpPr>
-      <p:grpSpPr>
-        <a:xfrm>
-          <a:off x="0" y="0"/>
-          <a:ext cx="0" cy="0"/>
-          <a:chOff x="0" y="0"/>
-          <a:chExt cx="0" cy="0"/>
-        </a:xfrm>
-      </p:grpSpPr>
+      <p:grpSpPr/>
       <p:pic>
         <p:nvPicPr>
           <p:cNvPr id="2" name="Picture 1" descr="bollywoodpic31587371050.jpg"/>
@@ -5635,7 +5172,7 @@
 </file>
 
 <file path=ppt/slides/slide7.xml><?xml version="1.0" encoding="utf-8"?>
-<p:sld xmlns:a="http://schemas.openxmlformats.org/drawingml/2006/main" xmlns:r="http://schemas.openxmlformats.org/officeDocument/2006/relationships" xmlns:p="http://schemas.openxmlformats.org/presentationml/2006/main">
+<p:sld xmlns:a="http://schemas.openxmlformats.org/drawingml/2006/main" xmlns:p="http://schemas.openxmlformats.org/presentationml/2006/main" xmlns:r="http://schemas.openxmlformats.org/officeDocument/2006/relationships">
   <p:cSld>
     <p:spTree>
       <p:nvGrpSpPr>
@@ -5643,14 +5180,7 @@
         <p:cNvGrpSpPr/>
         <p:nvPr/>
       </p:nvGrpSpPr>
-      <p:grpSpPr>
-        <a:xfrm>
-          <a:off x="0" y="0"/>
-          <a:ext cx="0" cy="0"/>
-          <a:chOff x="0" y="0"/>
-          <a:chExt cx="0" cy="0"/>
-        </a:xfrm>
-      </p:grpSpPr>
+      <p:grpSpPr/>
       <p:sp>
         <p:nvSpPr>
           <p:cNvPr id="2" name="Title 1"/>
@@ -5670,9 +5200,7 @@
               <a:t>Moving on.</a:t>
             </a:r>
           </a:p>
-          <a:p>
-            <a:endParaRPr/>
-          </a:p>
+          <a:p/>
           <a:p>
             <a:r>
               <a:t>They are all one.</a:t>
@@ -5699,9 +5227,7 @@
         <p:txBody>
           <a:bodyPr/>
           <a:lstStyle/>
-          <a:p>
-            <a:endParaRPr/>
-          </a:p>
+          <a:p/>
         </p:txBody>
       </p:sp>
     </p:spTree>
@@ -5713,7 +5239,7 @@
 </file>
 
 <file path=ppt/slides/slide8.xml><?xml version="1.0" encoding="utf-8"?>
-<p:sld xmlns:a="http://schemas.openxmlformats.org/drawingml/2006/main" xmlns:r="http://schemas.openxmlformats.org/officeDocument/2006/relationships" xmlns:p="http://schemas.openxmlformats.org/presentationml/2006/main">
+<p:sld xmlns:a="http://schemas.openxmlformats.org/drawingml/2006/main" xmlns:p="http://schemas.openxmlformats.org/presentationml/2006/main" xmlns:r="http://schemas.openxmlformats.org/officeDocument/2006/relationships">
   <p:cSld>
     <p:spTree>
       <p:nvGrpSpPr>
@@ -5721,14 +5247,7 @@
         <p:cNvGrpSpPr/>
         <p:nvPr/>
       </p:nvGrpSpPr>
-      <p:grpSpPr>
-        <a:xfrm>
-          <a:off x="0" y="0"/>
-          <a:ext cx="0" cy="0"/>
-          <a:chOff x="0" y="0"/>
-          <a:chExt cx="0" cy="0"/>
-        </a:xfrm>
-      </p:grpSpPr>
+      <p:grpSpPr/>
       <p:pic>
         <p:nvPicPr>
           <p:cNvPr id="2" name="Picture 1" descr="bollywoodpic41587371063.jpg"/>
@@ -5762,7 +5281,7 @@
 </file>
 
 <file path=ppt/slides/slide9.xml><?xml version="1.0" encoding="utf-8"?>
-<p:sld xmlns:a="http://schemas.openxmlformats.org/drawingml/2006/main" xmlns:r="http://schemas.openxmlformats.org/officeDocument/2006/relationships" xmlns:p="http://schemas.openxmlformats.org/presentationml/2006/main">
+<p:sld xmlns:a="http://schemas.openxmlformats.org/drawingml/2006/main" xmlns:p="http://schemas.openxmlformats.org/presentationml/2006/main" xmlns:r="http://schemas.openxmlformats.org/officeDocument/2006/relationships">
   <p:cSld>
     <p:spTree>
       <p:nvGrpSpPr>
@@ -5770,14 +5289,7 @@
         <p:cNvGrpSpPr/>
         <p:nvPr/>
       </p:nvGrpSpPr>
-      <p:grpSpPr>
-        <a:xfrm>
-          <a:off x="0" y="0"/>
-          <a:ext cx="0" cy="0"/>
-          <a:chOff x="0" y="0"/>
-          <a:chExt cx="0" cy="0"/>
-        </a:xfrm>
-      </p:grpSpPr>
+      <p:grpSpPr/>
       <p:sp>
         <p:nvSpPr>
           <p:cNvPr id="2" name="Title 1"/>
@@ -5823,9 +5335,7 @@
         <p:txBody>
           <a:bodyPr/>
           <a:lstStyle/>
-          <a:p>
-            <a:endParaRPr/>
-          </a:p>
+          <a:p/>
         </p:txBody>
       </p:sp>
     </p:spTree>
